--- a/云架构实战/第二单元 DNS服务（一）/PPT/01.DNS正向解析.pptx
+++ b/云架构实战/第二单元 DNS服务（一）/PPT/01.DNS正向解析.pptx
@@ -1,27 +1,27 @@
 
 <file path=ppt/presentation.xml><?xml version="1.0" encoding="utf-8"?>
-<p:presentation xmlns:a="http://schemas.openxmlformats.org/drawingml/2006/main" xmlns:r="http://schemas.openxmlformats.org/officeDocument/2006/relationships" xmlns:p="http://schemas.openxmlformats.org/presentationml/2006/main" saveSubsetFonts="1">
+<p:presentation xmlns:a="http://schemas.openxmlformats.org/drawingml/2006/main" xmlns:r="http://schemas.openxmlformats.org/officeDocument/2006/relationships" xmlns:p="http://schemas.openxmlformats.org/presentationml/2006/main">
   <p:sldMasterIdLst>
     <p:sldMasterId id="2147483648" r:id="rId1"/>
   </p:sldMasterIdLst>
   <p:notesMasterIdLst>
-    <p:notesMasterId r:id="rId13"/>
+    <p:notesMasterId r:id="rId4"/>
   </p:notesMasterIdLst>
   <p:handoutMasterIdLst>
-    <p:handoutMasterId r:id="rId14"/>
+    <p:handoutMasterId r:id="rId15"/>
   </p:handoutMasterIdLst>
   <p:sldIdLst>
-    <p:sldId id="516" r:id="rId2"/>
-    <p:sldId id="2147" r:id="rId3"/>
-    <p:sldId id="2146" r:id="rId4"/>
-    <p:sldId id="2142" r:id="rId5"/>
-    <p:sldId id="2148" r:id="rId6"/>
-    <p:sldId id="2143" r:id="rId7"/>
-    <p:sldId id="2149" r:id="rId8"/>
-    <p:sldId id="2150" r:id="rId9"/>
-    <p:sldId id="2151" r:id="rId10"/>
-    <p:sldId id="2152" r:id="rId11"/>
-    <p:sldId id="515" r:id="rId12"/>
+    <p:sldId id="516" r:id="rId3"/>
+    <p:sldId id="2147" r:id="rId5"/>
+    <p:sldId id="2146" r:id="rId6"/>
+    <p:sldId id="2142" r:id="rId7"/>
+    <p:sldId id="2148" r:id="rId8"/>
+    <p:sldId id="2143" r:id="rId9"/>
+    <p:sldId id="2149" r:id="rId10"/>
+    <p:sldId id="2150" r:id="rId11"/>
+    <p:sldId id="2151" r:id="rId12"/>
+    <p:sldId id="2152" r:id="rId13"/>
+    <p:sldId id="515" r:id="rId14"/>
   </p:sldIdLst>
   <p:sldSz cx="9144000" cy="5143500" type="screen16x9"/>
   <p:notesSz cx="6858000" cy="9144000"/>
@@ -40,7 +40,7 @@
         <a:solidFill>
           <a:schemeClr val="tx1"/>
         </a:solidFill>
-        <a:latin typeface="Arial" panose="020B0604020202090204" pitchFamily="34" charset="0"/>
+        <a:latin typeface="Arial" panose="020B0604020202020204" pitchFamily="34" charset="0"/>
         <a:ea typeface="黑体" panose="02010609060101010101" pitchFamily="2" charset="-122"/>
         <a:cs typeface="+mn-cs"/>
       </a:defRPr>
@@ -56,7 +56,7 @@
         <a:solidFill>
           <a:schemeClr val="tx1"/>
         </a:solidFill>
-        <a:latin typeface="Arial" panose="020B0604020202090204" pitchFamily="34" charset="0"/>
+        <a:latin typeface="Arial" panose="020B0604020202020204" pitchFamily="34" charset="0"/>
         <a:ea typeface="黑体" panose="02010609060101010101" pitchFamily="2" charset="-122"/>
         <a:cs typeface="+mn-cs"/>
       </a:defRPr>
@@ -72,7 +72,7 @@
         <a:solidFill>
           <a:schemeClr val="tx1"/>
         </a:solidFill>
-        <a:latin typeface="Arial" panose="020B0604020202090204" pitchFamily="34" charset="0"/>
+        <a:latin typeface="Arial" panose="020B0604020202020204" pitchFamily="34" charset="0"/>
         <a:ea typeface="黑体" panose="02010609060101010101" pitchFamily="2" charset="-122"/>
         <a:cs typeface="+mn-cs"/>
       </a:defRPr>
@@ -88,7 +88,7 @@
         <a:solidFill>
           <a:schemeClr val="tx1"/>
         </a:solidFill>
-        <a:latin typeface="Arial" panose="020B0604020202090204" pitchFamily="34" charset="0"/>
+        <a:latin typeface="Arial" panose="020B0604020202020204" pitchFamily="34" charset="0"/>
         <a:ea typeface="黑体" panose="02010609060101010101" pitchFamily="2" charset="-122"/>
         <a:cs typeface="+mn-cs"/>
       </a:defRPr>
@@ -104,7 +104,7 @@
         <a:solidFill>
           <a:schemeClr val="tx1"/>
         </a:solidFill>
-        <a:latin typeface="Arial" panose="020B0604020202090204" pitchFamily="34" charset="0"/>
+        <a:latin typeface="Arial" panose="020B0604020202020204" pitchFamily="34" charset="0"/>
         <a:ea typeface="黑体" panose="02010609060101010101" pitchFamily="2" charset="-122"/>
         <a:cs typeface="+mn-cs"/>
       </a:defRPr>
@@ -114,7 +114,7 @@
         <a:solidFill>
           <a:schemeClr val="tx1"/>
         </a:solidFill>
-        <a:latin typeface="Arial" panose="020B0604020202090204" pitchFamily="34" charset="0"/>
+        <a:latin typeface="Arial" panose="020B0604020202020204" pitchFamily="34" charset="0"/>
         <a:ea typeface="黑体" panose="02010609060101010101" pitchFamily="2" charset="-122"/>
         <a:cs typeface="+mn-cs"/>
       </a:defRPr>
@@ -124,7 +124,7 @@
         <a:solidFill>
           <a:schemeClr val="tx1"/>
         </a:solidFill>
-        <a:latin typeface="Arial" panose="020B0604020202090204" pitchFamily="34" charset="0"/>
+        <a:latin typeface="Arial" panose="020B0604020202020204" pitchFamily="34" charset="0"/>
         <a:ea typeface="黑体" panose="02010609060101010101" pitchFamily="2" charset="-122"/>
         <a:cs typeface="+mn-cs"/>
       </a:defRPr>
@@ -134,7 +134,7 @@
         <a:solidFill>
           <a:schemeClr val="tx1"/>
         </a:solidFill>
-        <a:latin typeface="Arial" panose="020B0604020202090204" pitchFamily="34" charset="0"/>
+        <a:latin typeface="Arial" panose="020B0604020202020204" pitchFamily="34" charset="0"/>
         <a:ea typeface="黑体" panose="02010609060101010101" pitchFamily="2" charset="-122"/>
         <a:cs typeface="+mn-cs"/>
       </a:defRPr>
@@ -144,7 +144,7 @@
         <a:solidFill>
           <a:schemeClr val="tx1"/>
         </a:solidFill>
-        <a:latin typeface="Arial" panose="020B0604020202090204" pitchFamily="34" charset="0"/>
+        <a:latin typeface="Arial" panose="020B0604020202020204" pitchFamily="34" charset="0"/>
         <a:ea typeface="黑体" panose="02010609060101010101" pitchFamily="2" charset="-122"/>
         <a:cs typeface="+mn-cs"/>
       </a:defRPr>
@@ -170,39 +170,6 @@
         </p14:section>
       </p14:sectionLst>
     </p:ext>
-    <p:ext uri="{EFAFB233-063F-42B5-8137-9DF3F51BA10A}">
-      <p15:sldGuideLst xmlns:p15="http://schemas.microsoft.com/office/powerpoint/2012/main">
-        <p15:guide id="1" orient="horz" pos="1625">
-          <p15:clr>
-            <a:srgbClr val="A4A3A4"/>
-          </p15:clr>
-        </p15:guide>
-        <p15:guide id="2" orient="horz" pos="2319">
-          <p15:clr>
-            <a:srgbClr val="A4A3A4"/>
-          </p15:clr>
-        </p15:guide>
-        <p15:guide id="3" pos="2931">
-          <p15:clr>
-            <a:srgbClr val="A4A3A4"/>
-          </p15:clr>
-        </p15:guide>
-      </p15:sldGuideLst>
-    </p:ext>
-    <p:ext uri="{2D200454-40CA-4A62-9FC3-DE9A4176ACB9}">
-      <p15:notesGuideLst xmlns:p15="http://schemas.microsoft.com/office/powerpoint/2012/main">
-        <p15:guide id="1" orient="horz" pos="2889">
-          <p15:clr>
-            <a:srgbClr val="A4A3A4"/>
-          </p15:clr>
-        </p15:guide>
-        <p15:guide id="2" pos="2198">
-          <p15:clr>
-            <a:srgbClr val="A4A3A4"/>
-          </p15:clr>
-        </p15:guide>
-      </p15:notesGuideLst>
-    </p:ext>
   </p:extLst>
 </p:presentation>
 </file>
@@ -210,13 +177,7 @@
 <file path=ppt/commentAuthors.xml><?xml version="1.0" encoding="utf-8"?>
 <p:cmAuthorLst xmlns:a="http://schemas.openxmlformats.org/drawingml/2006/main" xmlns:r="http://schemas.openxmlformats.org/officeDocument/2006/relationships" xmlns:p="http://schemas.openxmlformats.org/presentationml/2006/main">
   <p:cmAuthor id="1" name="作者" initials="作" lastIdx="0" clrIdx="2"/>
-  <p:cmAuthor id="2" name="zhangshuai" initials="z" lastIdx="1" clrIdx="3">
-    <p:extLst>
-      <p:ext uri="{19B8F6BF-5375-455C-9EA6-DF929625EA0E}">
-        <p15:presenceInfo xmlns:p15="http://schemas.microsoft.com/office/powerpoint/2012/main" userId="zhangshuai" providerId="None"/>
-      </p:ext>
-    </p:extLst>
-  </p:cmAuthor>
+  <p:cmAuthor id="2" name="zhangshuai" initials="z" lastIdx="1" clrIdx="3"/>
 </p:cmAuthorLst>
 </file>
 
@@ -415,7 +376,6 @@
             </a:pPr>
             <a:fld id="{DB3C531B-D83C-493A-84AD-316F78881EC3}" type="slidenum">
               <a:rPr lang="zh-CN" altLang="en-US"/>
-              <a:t>‹#›</a:t>
             </a:fld>
             <a:endParaRPr lang="en-US" altLang="zh-CN"/>
           </a:p>
@@ -599,6 +559,7 @@
               <a:rPr lang="en-US" altLang="zh-CN" noProof="0"/>
               <a:t>Click to edit Master text styles</a:t>
             </a:r>
+            <a:endParaRPr lang="en-US" altLang="zh-CN" noProof="0"/>
           </a:p>
           <a:p>
             <a:pPr lvl="1"/>
@@ -606,6 +567,7 @@
               <a:rPr lang="en-US" altLang="zh-CN" noProof="0"/>
               <a:t>Second level</a:t>
             </a:r>
+            <a:endParaRPr lang="en-US" altLang="zh-CN" noProof="0"/>
           </a:p>
           <a:p>
             <a:pPr lvl="2"/>
@@ -613,6 +575,7 @@
               <a:rPr lang="en-US" altLang="zh-CN" noProof="0"/>
               <a:t>Third level</a:t>
             </a:r>
+            <a:endParaRPr lang="en-US" altLang="zh-CN" noProof="0"/>
           </a:p>
           <a:p>
             <a:pPr lvl="3"/>
@@ -620,6 +583,7 @@
               <a:rPr lang="en-US" altLang="zh-CN" noProof="0"/>
               <a:t>Fourth level</a:t>
             </a:r>
+            <a:endParaRPr lang="en-US" altLang="zh-CN" noProof="0"/>
           </a:p>
           <a:p>
             <a:pPr lvl="4"/>
@@ -627,6 +591,7 @@
               <a:rPr lang="en-US" altLang="zh-CN" noProof="0"/>
               <a:t>Fifth level</a:t>
             </a:r>
+            <a:endParaRPr lang="en-US" altLang="zh-CN" noProof="0"/>
           </a:p>
         </p:txBody>
       </p:sp>
@@ -714,7 +679,6 @@
             </a:pPr>
             <a:fld id="{CB801823-96DB-4EC2-991A-2DEE593AD1DA}" type="slidenum">
               <a:rPr lang="zh-CN" altLang="en-US"/>
-              <a:t>‹#›</a:t>
             </a:fld>
             <a:endParaRPr lang="en-US" altLang="zh-CN"/>
           </a:p>
@@ -735,7 +699,7 @@
         <a:solidFill>
           <a:schemeClr val="tx1"/>
         </a:solidFill>
-        <a:latin typeface="Times New Roman" panose="02020703060505090304" pitchFamily="18" charset="0"/>
+        <a:latin typeface="Times New Roman" panose="02020603050405020304" pitchFamily="18" charset="0"/>
         <a:ea typeface="宋体" panose="02010600030101010101" pitchFamily="2" charset="-122"/>
         <a:cs typeface="+mn-cs"/>
       </a:defRPr>
@@ -751,7 +715,7 @@
         <a:solidFill>
           <a:schemeClr val="tx1"/>
         </a:solidFill>
-        <a:latin typeface="Times New Roman" panose="02020703060505090304" pitchFamily="18" charset="0"/>
+        <a:latin typeface="Times New Roman" panose="02020603050405020304" pitchFamily="18" charset="0"/>
         <a:ea typeface="宋体" panose="02010600030101010101" pitchFamily="2" charset="-122"/>
         <a:cs typeface="+mn-cs"/>
       </a:defRPr>
@@ -767,7 +731,7 @@
         <a:solidFill>
           <a:schemeClr val="tx1"/>
         </a:solidFill>
-        <a:latin typeface="Times New Roman" panose="02020703060505090304" pitchFamily="18" charset="0"/>
+        <a:latin typeface="Times New Roman" panose="02020603050405020304" pitchFamily="18" charset="0"/>
         <a:ea typeface="宋体" panose="02010600030101010101" pitchFamily="2" charset="-122"/>
         <a:cs typeface="+mn-cs"/>
       </a:defRPr>
@@ -783,7 +747,7 @@
         <a:solidFill>
           <a:schemeClr val="tx1"/>
         </a:solidFill>
-        <a:latin typeface="Times New Roman" panose="02020703060505090304" pitchFamily="18" charset="0"/>
+        <a:latin typeface="Times New Roman" panose="02020603050405020304" pitchFamily="18" charset="0"/>
         <a:ea typeface="宋体" panose="02010600030101010101" pitchFamily="2" charset="-122"/>
         <a:cs typeface="+mn-cs"/>
       </a:defRPr>
@@ -799,7 +763,7 @@
         <a:solidFill>
           <a:schemeClr val="tx1"/>
         </a:solidFill>
-        <a:latin typeface="Times New Roman" panose="02020703060505090304" pitchFamily="18" charset="0"/>
+        <a:latin typeface="Times New Roman" panose="02020603050405020304" pitchFamily="18" charset="0"/>
         <a:ea typeface="宋体" panose="02010600030101010101" pitchFamily="2" charset="-122"/>
         <a:cs typeface="+mn-cs"/>
       </a:defRPr>
@@ -902,6 +866,7 @@
               <a:rPr lang="en-US" altLang="zh-CN" dirty="0"/>
               <a:t>1</a:t>
             </a:r>
+            <a:endParaRPr lang="en-US" altLang="zh-CN" dirty="0"/>
           </a:p>
         </p:txBody>
       </p:sp>
@@ -925,7 +890,6 @@
             </a:pPr>
             <a:fld id="{CB801823-96DB-4EC2-991A-2DEE593AD1DA}" type="slidenum">
               <a:rPr lang="zh-CN" altLang="en-US" smtClean="0"/>
-              <a:t>1</a:t>
             </a:fld>
             <a:endParaRPr lang="en-US" altLang="zh-CN"/>
           </a:p>
@@ -1035,7 +999,6 @@
             </a:pPr>
             <a:fld id="{CB801823-96DB-4EC2-991A-2DEE593AD1DA}" type="slidenum">
               <a:rPr lang="zh-CN" altLang="en-US" smtClean="0"/>
-              <a:t>2</a:t>
             </a:fld>
             <a:endParaRPr lang="en-US" altLang="zh-CN"/>
           </a:p>
@@ -1117,7 +1080,6 @@
             </a:pPr>
             <a:fld id="{CB801823-96DB-4EC2-991A-2DEE593AD1DA}" type="slidenum">
               <a:rPr lang="zh-CN" altLang="en-US" smtClean="0"/>
-              <a:t>3</a:t>
             </a:fld>
             <a:endParaRPr lang="en-US" altLang="zh-CN"/>
           </a:p>
@@ -1199,7 +1161,6 @@
             </a:pPr>
             <a:fld id="{CB801823-96DB-4EC2-991A-2DEE593AD1DA}" type="slidenum">
               <a:rPr lang="zh-CN" altLang="en-US" smtClean="0"/>
-              <a:t>4</a:t>
             </a:fld>
             <a:endParaRPr lang="en-US" altLang="zh-CN"/>
           </a:p>
@@ -1281,7 +1242,6 @@
             </a:pPr>
             <a:fld id="{CB801823-96DB-4EC2-991A-2DEE593AD1DA}" type="slidenum">
               <a:rPr lang="zh-CN" altLang="en-US" smtClean="0"/>
-              <a:t>6</a:t>
             </a:fld>
             <a:endParaRPr lang="en-US" altLang="zh-CN"/>
           </a:p>
@@ -1396,6 +1356,7 @@
               <a:rPr lang="zh-CN" altLang="en-US" dirty="0"/>
               <a:t>单击此处编辑母版标题样式</a:t>
             </a:r>
+            <a:endParaRPr lang="zh-CN" altLang="en-US" dirty="0"/>
           </a:p>
         </p:txBody>
       </p:sp>
@@ -1497,6 +1458,7 @@
               <a:rPr lang="zh-CN" altLang="en-US" dirty="0"/>
               <a:t>单击此处编辑母版文本样式</a:t>
             </a:r>
+            <a:endParaRPr lang="zh-CN" altLang="en-US" dirty="0"/>
           </a:p>
           <a:p>
             <a:pPr lvl="1"/>
@@ -1504,6 +1466,7 @@
               <a:rPr lang="zh-CN" altLang="en-US" dirty="0"/>
               <a:t>第二级</a:t>
             </a:r>
+            <a:endParaRPr lang="zh-CN" altLang="en-US" dirty="0"/>
           </a:p>
           <a:p>
             <a:pPr lvl="2"/>
@@ -1511,6 +1474,7 @@
               <a:rPr lang="zh-CN" altLang="en-US" dirty="0"/>
               <a:t>第三级</a:t>
             </a:r>
+            <a:endParaRPr lang="zh-CN" altLang="en-US" dirty="0"/>
           </a:p>
         </p:txBody>
       </p:sp>
@@ -1612,6 +1576,7 @@
               <a:rPr lang="zh-CN" altLang="en-US" dirty="0"/>
               <a:t>单击此处编辑式</a:t>
             </a:r>
+            <a:endParaRPr lang="zh-CN" altLang="en-US" dirty="0"/>
           </a:p>
         </p:txBody>
       </p:sp>
@@ -1679,6 +1644,7 @@
               <a:rPr lang="zh-CN" altLang="en-US" dirty="0"/>
               <a:t>单击此处编辑母版标题样式</a:t>
             </a:r>
+            <a:endParaRPr lang="zh-CN" altLang="en-US" dirty="0"/>
           </a:p>
         </p:txBody>
       </p:sp>
@@ -1758,6 +1724,7 @@
               <a:rPr lang="zh-CN" altLang="en-US" dirty="0"/>
               <a:t>单击此处编辑母版标题样式</a:t>
             </a:r>
+            <a:endParaRPr lang="zh-CN" altLang="en-US" dirty="0"/>
           </a:p>
         </p:txBody>
       </p:sp>
@@ -1882,6 +1849,7 @@
               <a:rPr lang="zh-CN" altLang="en-US" dirty="0"/>
               <a:t>单击此处编辑母版副标题样式</a:t>
             </a:r>
+            <a:endParaRPr lang="zh-CN" altLang="en-US" dirty="0"/>
           </a:p>
         </p:txBody>
       </p:sp>
@@ -1984,7 +1952,7 @@
                 <a:solidFill>
                   <a:schemeClr val="tx1"/>
                 </a:solidFill>
-                <a:latin typeface="Arial" panose="020B0604020202090204" pitchFamily="34" charset="0"/>
+                <a:latin typeface="Arial" panose="020B0604020202020204" pitchFamily="34" charset="0"/>
                 <a:ea typeface="宋体" panose="02010600030101010101" pitchFamily="2" charset="-122"/>
               </a:defRPr>
             </a:lvl1pPr>
@@ -1993,7 +1961,7 @@
                 <a:solidFill>
                   <a:schemeClr val="tx1"/>
                 </a:solidFill>
-                <a:latin typeface="Arial" panose="020B0604020202090204" pitchFamily="34" charset="0"/>
+                <a:latin typeface="Arial" panose="020B0604020202020204" pitchFamily="34" charset="0"/>
                 <a:ea typeface="宋体" panose="02010600030101010101" pitchFamily="2" charset="-122"/>
               </a:defRPr>
             </a:lvl2pPr>
@@ -2002,7 +1970,7 @@
                 <a:solidFill>
                   <a:schemeClr val="tx1"/>
                 </a:solidFill>
-                <a:latin typeface="Arial" panose="020B0604020202090204" pitchFamily="34" charset="0"/>
+                <a:latin typeface="Arial" panose="020B0604020202020204" pitchFamily="34" charset="0"/>
                 <a:ea typeface="宋体" panose="02010600030101010101" pitchFamily="2" charset="-122"/>
               </a:defRPr>
             </a:lvl3pPr>
@@ -2011,7 +1979,7 @@
                 <a:solidFill>
                   <a:schemeClr val="tx1"/>
                 </a:solidFill>
-                <a:latin typeface="Arial" panose="020B0604020202090204" pitchFamily="34" charset="0"/>
+                <a:latin typeface="Arial" panose="020B0604020202020204" pitchFamily="34" charset="0"/>
                 <a:ea typeface="宋体" panose="02010600030101010101" pitchFamily="2" charset="-122"/>
               </a:defRPr>
             </a:lvl4pPr>
@@ -2020,7 +1988,7 @@
                 <a:solidFill>
                   <a:schemeClr val="tx1"/>
                 </a:solidFill>
-                <a:latin typeface="Arial" panose="020B0604020202090204" pitchFamily="34" charset="0"/>
+                <a:latin typeface="Arial" panose="020B0604020202020204" pitchFamily="34" charset="0"/>
                 <a:ea typeface="宋体" panose="02010600030101010101" pitchFamily="2" charset="-122"/>
               </a:defRPr>
             </a:lvl5pPr>
@@ -2035,7 +2003,7 @@
                 <a:solidFill>
                   <a:schemeClr val="tx1"/>
                 </a:solidFill>
-                <a:latin typeface="Arial" panose="020B0604020202090204" pitchFamily="34" charset="0"/>
+                <a:latin typeface="Arial" panose="020B0604020202020204" pitchFamily="34" charset="0"/>
                 <a:ea typeface="宋体" panose="02010600030101010101" pitchFamily="2" charset="-122"/>
               </a:defRPr>
             </a:lvl6pPr>
@@ -2050,7 +2018,7 @@
                 <a:solidFill>
                   <a:schemeClr val="tx1"/>
                 </a:solidFill>
-                <a:latin typeface="Arial" panose="020B0604020202090204" pitchFamily="34" charset="0"/>
+                <a:latin typeface="Arial" panose="020B0604020202020204" pitchFamily="34" charset="0"/>
                 <a:ea typeface="宋体" panose="02010600030101010101" pitchFamily="2" charset="-122"/>
               </a:defRPr>
             </a:lvl7pPr>
@@ -2065,7 +2033,7 @@
                 <a:solidFill>
                   <a:schemeClr val="tx1"/>
                 </a:solidFill>
-                <a:latin typeface="Arial" panose="020B0604020202090204" pitchFamily="34" charset="0"/>
+                <a:latin typeface="Arial" panose="020B0604020202020204" pitchFamily="34" charset="0"/>
                 <a:ea typeface="宋体" panose="02010600030101010101" pitchFamily="2" charset="-122"/>
               </a:defRPr>
             </a:lvl8pPr>
@@ -2080,14 +2048,14 @@
                 <a:solidFill>
                   <a:schemeClr val="tx1"/>
                 </a:solidFill>
-                <a:latin typeface="Arial" panose="020B0604020202090204" pitchFamily="34" charset="0"/>
+                <a:latin typeface="Arial" panose="020B0604020202020204" pitchFamily="34" charset="0"/>
                 <a:ea typeface="宋体" panose="02010600030101010101" pitchFamily="2" charset="-122"/>
               </a:defRPr>
             </a:lvl9pPr>
           </a:lstStyle>
           <a:p>
             <a:pPr algn="ctr" eaLnBrk="1" hangingPunct="1">
-              <a:buFont typeface="Arial" panose="020B0604020202090204" pitchFamily="34" charset="0"/>
+              <a:buFont typeface="Arial" panose="020B0604020202020204" pitchFamily="34" charset="0"/>
               <a:buNone/>
             </a:pPr>
             <a:r>
@@ -2162,7 +2130,7 @@
                 <a:solidFill>
                   <a:schemeClr val="tx1"/>
                 </a:solidFill>
-                <a:latin typeface="Arial" panose="020B0604020202090204" pitchFamily="34" charset="0"/>
+                <a:latin typeface="Arial" panose="020B0604020202020204" pitchFamily="34" charset="0"/>
                 <a:ea typeface="宋体" panose="02010600030101010101" pitchFamily="2" charset="-122"/>
               </a:defRPr>
             </a:lvl1pPr>
@@ -2171,7 +2139,7 @@
                 <a:solidFill>
                   <a:schemeClr val="tx1"/>
                 </a:solidFill>
-                <a:latin typeface="Arial" panose="020B0604020202090204" pitchFamily="34" charset="0"/>
+                <a:latin typeface="Arial" panose="020B0604020202020204" pitchFamily="34" charset="0"/>
                 <a:ea typeface="宋体" panose="02010600030101010101" pitchFamily="2" charset="-122"/>
               </a:defRPr>
             </a:lvl2pPr>
@@ -2180,7 +2148,7 @@
                 <a:solidFill>
                   <a:schemeClr val="tx1"/>
                 </a:solidFill>
-                <a:latin typeface="Arial" panose="020B0604020202090204" pitchFamily="34" charset="0"/>
+                <a:latin typeface="Arial" panose="020B0604020202020204" pitchFamily="34" charset="0"/>
                 <a:ea typeface="宋体" panose="02010600030101010101" pitchFamily="2" charset="-122"/>
               </a:defRPr>
             </a:lvl3pPr>
@@ -2189,7 +2157,7 @@
                 <a:solidFill>
                   <a:schemeClr val="tx1"/>
                 </a:solidFill>
-                <a:latin typeface="Arial" panose="020B0604020202090204" pitchFamily="34" charset="0"/>
+                <a:latin typeface="Arial" panose="020B0604020202020204" pitchFamily="34" charset="0"/>
                 <a:ea typeface="宋体" panose="02010600030101010101" pitchFamily="2" charset="-122"/>
               </a:defRPr>
             </a:lvl4pPr>
@@ -2198,7 +2166,7 @@
                 <a:solidFill>
                   <a:schemeClr val="tx1"/>
                 </a:solidFill>
-                <a:latin typeface="Arial" panose="020B0604020202090204" pitchFamily="34" charset="0"/>
+                <a:latin typeface="Arial" panose="020B0604020202020204" pitchFamily="34" charset="0"/>
                 <a:ea typeface="宋体" panose="02010600030101010101" pitchFamily="2" charset="-122"/>
               </a:defRPr>
             </a:lvl5pPr>
@@ -2213,7 +2181,7 @@
                 <a:solidFill>
                   <a:schemeClr val="tx1"/>
                 </a:solidFill>
-                <a:latin typeface="Arial" panose="020B0604020202090204" pitchFamily="34" charset="0"/>
+                <a:latin typeface="Arial" panose="020B0604020202020204" pitchFamily="34" charset="0"/>
                 <a:ea typeface="宋体" panose="02010600030101010101" pitchFamily="2" charset="-122"/>
               </a:defRPr>
             </a:lvl6pPr>
@@ -2228,7 +2196,7 @@
                 <a:solidFill>
                   <a:schemeClr val="tx1"/>
                 </a:solidFill>
-                <a:latin typeface="Arial" panose="020B0604020202090204" pitchFamily="34" charset="0"/>
+                <a:latin typeface="Arial" panose="020B0604020202020204" pitchFamily="34" charset="0"/>
                 <a:ea typeface="宋体" panose="02010600030101010101" pitchFamily="2" charset="-122"/>
               </a:defRPr>
             </a:lvl7pPr>
@@ -2243,7 +2211,7 @@
                 <a:solidFill>
                   <a:schemeClr val="tx1"/>
                 </a:solidFill>
-                <a:latin typeface="Arial" panose="020B0604020202090204" pitchFamily="34" charset="0"/>
+                <a:latin typeface="Arial" panose="020B0604020202020204" pitchFamily="34" charset="0"/>
                 <a:ea typeface="宋体" panose="02010600030101010101" pitchFamily="2" charset="-122"/>
               </a:defRPr>
             </a:lvl8pPr>
@@ -2258,14 +2226,14 @@
                 <a:solidFill>
                   <a:schemeClr val="tx1"/>
                 </a:solidFill>
-                <a:latin typeface="Arial" panose="020B0604020202090204" pitchFamily="34" charset="0"/>
+                <a:latin typeface="Arial" panose="020B0604020202020204" pitchFamily="34" charset="0"/>
                 <a:ea typeface="宋体" panose="02010600030101010101" pitchFamily="2" charset="-122"/>
               </a:defRPr>
             </a:lvl9pPr>
           </a:lstStyle>
           <a:p>
             <a:pPr algn="ctr" eaLnBrk="1" hangingPunct="1">
-              <a:buFont typeface="Arial" panose="020B0604020202090204" pitchFamily="34" charset="0"/>
+              <a:buFont typeface="Arial" panose="020B0604020202020204" pitchFamily="34" charset="0"/>
               <a:buNone/>
             </a:pPr>
             <a:r>
@@ -2386,6 +2354,7 @@
               <a:rPr lang="zh-CN" altLang="en-US" dirty="0"/>
               <a:t>单击此处编辑母版标题样式</a:t>
             </a:r>
+            <a:endParaRPr lang="zh-CN" altLang="en-US" dirty="0"/>
           </a:p>
         </p:txBody>
       </p:sp>
@@ -2487,6 +2456,7 @@
               <a:rPr lang="zh-CN" altLang="en-US" dirty="0"/>
               <a:t>单击此处编辑母版文本样式</a:t>
             </a:r>
+            <a:endParaRPr lang="zh-CN" altLang="en-US" dirty="0"/>
           </a:p>
           <a:p>
             <a:pPr lvl="1"/>
@@ -2494,6 +2464,7 @@
               <a:rPr lang="zh-CN" altLang="en-US" dirty="0"/>
               <a:t>第二级</a:t>
             </a:r>
+            <a:endParaRPr lang="zh-CN" altLang="en-US" dirty="0"/>
           </a:p>
           <a:p>
             <a:pPr lvl="2"/>
@@ -2501,6 +2472,7 @@
               <a:rPr lang="zh-CN" altLang="en-US" dirty="0"/>
               <a:t>第三级</a:t>
             </a:r>
+            <a:endParaRPr lang="zh-CN" altLang="en-US" dirty="0"/>
           </a:p>
         </p:txBody>
       </p:sp>
@@ -2567,6 +2539,7 @@
               <a:rPr lang="zh-CN" altLang="en-US" dirty="0"/>
               <a:t>单击此处编辑母版标题样式</a:t>
             </a:r>
+            <a:endParaRPr lang="zh-CN" altLang="en-US" dirty="0"/>
           </a:p>
         </p:txBody>
       </p:sp>
@@ -2668,6 +2641,7 @@
               <a:rPr lang="zh-CN" altLang="en-US" dirty="0"/>
               <a:t>单击此处编辑母版文本样式</a:t>
             </a:r>
+            <a:endParaRPr lang="zh-CN" altLang="en-US" dirty="0"/>
           </a:p>
           <a:p>
             <a:pPr lvl="1"/>
@@ -2675,6 +2649,7 @@
               <a:rPr lang="zh-CN" altLang="en-US" dirty="0"/>
               <a:t>第二级</a:t>
             </a:r>
+            <a:endParaRPr lang="zh-CN" altLang="en-US" dirty="0"/>
           </a:p>
           <a:p>
             <a:pPr lvl="2"/>
@@ -2682,6 +2657,7 @@
               <a:rPr lang="zh-CN" altLang="en-US" dirty="0"/>
               <a:t>第三级</a:t>
             </a:r>
+            <a:endParaRPr lang="zh-CN" altLang="en-US" dirty="0"/>
           </a:p>
         </p:txBody>
       </p:sp>
@@ -2748,6 +2724,7 @@
               <a:rPr lang="zh-CN" altLang="en-US" dirty="0"/>
               <a:t>单击此处编辑母版标题样式</a:t>
             </a:r>
+            <a:endParaRPr lang="zh-CN" altLang="en-US" dirty="0"/>
           </a:p>
         </p:txBody>
       </p:sp>
@@ -2849,6 +2826,7 @@
               <a:rPr lang="zh-CN" altLang="en-US" dirty="0"/>
               <a:t>单击此处编辑母版文本样式</a:t>
             </a:r>
+            <a:endParaRPr lang="zh-CN" altLang="en-US" dirty="0"/>
           </a:p>
           <a:p>
             <a:pPr lvl="1"/>
@@ -2856,6 +2834,7 @@
               <a:rPr lang="zh-CN" altLang="en-US" dirty="0"/>
               <a:t>第二级</a:t>
             </a:r>
+            <a:endParaRPr lang="zh-CN" altLang="en-US" dirty="0"/>
           </a:p>
           <a:p>
             <a:pPr lvl="2"/>
@@ -2863,6 +2842,7 @@
               <a:rPr lang="zh-CN" altLang="en-US" dirty="0"/>
               <a:t>第三级</a:t>
             </a:r>
+            <a:endParaRPr lang="zh-CN" altLang="en-US" dirty="0"/>
           </a:p>
         </p:txBody>
       </p:sp>
@@ -2984,6 +2964,7 @@
               <a:rPr lang="zh-CN" altLang="en-US" dirty="0"/>
               <a:t>单击此处编辑</a:t>
             </a:r>
+            <a:endParaRPr lang="zh-CN" altLang="en-US" dirty="0"/>
           </a:p>
         </p:txBody>
       </p:sp>
@@ -3030,7 +3011,7 @@
                 <a:solidFill>
                   <a:schemeClr val="tx1"/>
                 </a:solidFill>
-                <a:latin typeface="Arial" panose="020B0604020202090204" pitchFamily="34" charset="0"/>
+                <a:latin typeface="Arial" panose="020B0604020202020204" pitchFamily="34" charset="0"/>
                 <a:ea typeface="宋体" panose="02010600030101010101" pitchFamily="2" charset="-122"/>
               </a:defRPr>
             </a:lvl1pPr>
@@ -3039,7 +3020,7 @@
                 <a:solidFill>
                   <a:schemeClr val="tx1"/>
                 </a:solidFill>
-                <a:latin typeface="Arial" panose="020B0604020202090204" pitchFamily="34" charset="0"/>
+                <a:latin typeface="Arial" panose="020B0604020202020204" pitchFamily="34" charset="0"/>
                 <a:ea typeface="宋体" panose="02010600030101010101" pitchFamily="2" charset="-122"/>
               </a:defRPr>
             </a:lvl2pPr>
@@ -3048,7 +3029,7 @@
                 <a:solidFill>
                   <a:schemeClr val="tx1"/>
                 </a:solidFill>
-                <a:latin typeface="Arial" panose="020B0604020202090204" pitchFamily="34" charset="0"/>
+                <a:latin typeface="Arial" panose="020B0604020202020204" pitchFamily="34" charset="0"/>
                 <a:ea typeface="宋体" panose="02010600030101010101" pitchFamily="2" charset="-122"/>
               </a:defRPr>
             </a:lvl3pPr>
@@ -3057,7 +3038,7 @@
                 <a:solidFill>
                   <a:schemeClr val="tx1"/>
                 </a:solidFill>
-                <a:latin typeface="Arial" panose="020B0604020202090204" pitchFamily="34" charset="0"/>
+                <a:latin typeface="Arial" panose="020B0604020202020204" pitchFamily="34" charset="0"/>
                 <a:ea typeface="宋体" panose="02010600030101010101" pitchFamily="2" charset="-122"/>
               </a:defRPr>
             </a:lvl4pPr>
@@ -3066,7 +3047,7 @@
                 <a:solidFill>
                   <a:schemeClr val="tx1"/>
                 </a:solidFill>
-                <a:latin typeface="Arial" panose="020B0604020202090204" pitchFamily="34" charset="0"/>
+                <a:latin typeface="Arial" panose="020B0604020202020204" pitchFamily="34" charset="0"/>
                 <a:ea typeface="宋体" panose="02010600030101010101" pitchFamily="2" charset="-122"/>
               </a:defRPr>
             </a:lvl5pPr>
@@ -3081,7 +3062,7 @@
                 <a:solidFill>
                   <a:schemeClr val="tx1"/>
                 </a:solidFill>
-                <a:latin typeface="Arial" panose="020B0604020202090204" pitchFamily="34" charset="0"/>
+                <a:latin typeface="Arial" panose="020B0604020202020204" pitchFamily="34" charset="0"/>
                 <a:ea typeface="宋体" panose="02010600030101010101" pitchFamily="2" charset="-122"/>
               </a:defRPr>
             </a:lvl6pPr>
@@ -3096,7 +3077,7 @@
                 <a:solidFill>
                   <a:schemeClr val="tx1"/>
                 </a:solidFill>
-                <a:latin typeface="Arial" panose="020B0604020202090204" pitchFamily="34" charset="0"/>
+                <a:latin typeface="Arial" panose="020B0604020202020204" pitchFamily="34" charset="0"/>
                 <a:ea typeface="宋体" panose="02010600030101010101" pitchFamily="2" charset="-122"/>
               </a:defRPr>
             </a:lvl7pPr>
@@ -3111,7 +3092,7 @@
                 <a:solidFill>
                   <a:schemeClr val="tx1"/>
                 </a:solidFill>
-                <a:latin typeface="Arial" panose="020B0604020202090204" pitchFamily="34" charset="0"/>
+                <a:latin typeface="Arial" panose="020B0604020202020204" pitchFamily="34" charset="0"/>
                 <a:ea typeface="宋体" panose="02010600030101010101" pitchFamily="2" charset="-122"/>
               </a:defRPr>
             </a:lvl8pPr>
@@ -3126,7 +3107,7 @@
                 <a:solidFill>
                   <a:schemeClr val="tx1"/>
                 </a:solidFill>
-                <a:latin typeface="Arial" panose="020B0604020202090204" pitchFamily="34" charset="0"/>
+                <a:latin typeface="Arial" panose="020B0604020202020204" pitchFamily="34" charset="0"/>
                 <a:ea typeface="宋体" panose="02010600030101010101" pitchFamily="2" charset="-122"/>
               </a:defRPr>
             </a:lvl9pPr>
@@ -3207,6 +3188,7 @@
               <a:rPr lang="zh-CN" altLang="en-US" dirty="0"/>
               <a:t>单击此处编辑母版标题样式</a:t>
             </a:r>
+            <a:endParaRPr lang="zh-CN" altLang="en-US" dirty="0"/>
           </a:p>
         </p:txBody>
       </p:sp>
@@ -3276,6 +3258,7 @@
               <a:rPr lang="zh-CN" altLang="en-US" dirty="0"/>
               <a:t>单击此处编辑母版文本样式</a:t>
             </a:r>
+            <a:endParaRPr lang="zh-CN" altLang="en-US" dirty="0"/>
           </a:p>
           <a:p>
             <a:pPr lvl="1"/>
@@ -3283,6 +3266,7 @@
               <a:rPr lang="zh-CN" altLang="en-US" dirty="0"/>
               <a:t>第二级</a:t>
             </a:r>
+            <a:endParaRPr lang="zh-CN" altLang="en-US" dirty="0"/>
           </a:p>
           <a:p>
             <a:pPr lvl="2"/>
@@ -3290,6 +3274,7 @@
               <a:rPr lang="zh-CN" altLang="en-US" dirty="0"/>
               <a:t>第三级</a:t>
             </a:r>
+            <a:endParaRPr lang="zh-CN" altLang="en-US" dirty="0"/>
           </a:p>
         </p:txBody>
       </p:sp>
@@ -3322,7 +3307,6 @@
             </a:pPr>
             <a:fld id="{E22BC04B-702B-4CBB-87CA-63CD96333525}" type="slidenum">
               <a:rPr lang="zh-CN" altLang="en-US" smtClean="0"/>
-              <a:t>‹#›</a:t>
             </a:fld>
             <a:r>
               <a:rPr lang="en-US" altLang="zh-CN" dirty="0"/>
@@ -3397,6 +3381,7 @@
               <a:rPr lang="zh-CN" altLang="en-US" dirty="0"/>
               <a:t>单击此处编辑母版标题样式</a:t>
             </a:r>
+            <a:endParaRPr lang="zh-CN" altLang="en-US" dirty="0"/>
           </a:p>
         </p:txBody>
       </p:sp>
@@ -3442,11 +3427,11 @@
           <p:nvPr userDrawn="1"/>
         </p:nvPicPr>
         <p:blipFill>
-          <a:blip r:embed="rId10" cstate="print">
+          <a:blip r:embed="rId9" cstate="print">
             <a:extLst>
               <a:ext uri="{BEBA8EAE-BF5A-486C-A8C5-ECC9F3942E4B}">
                 <a14:imgProps xmlns:a14="http://schemas.microsoft.com/office/drawing/2010/main">
-                  <a14:imgLayer r:embed="rId11">
+                  <a14:imgLayer r:embed="rId10">
                     <a14:imgEffect>
                       <a14:brightnessContrast contrast="40000"/>
                     </a14:imgEffect>
@@ -3539,7 +3524,7 @@
                 <a:solidFill>
                   <a:schemeClr val="tx1"/>
                 </a:solidFill>
-                <a:latin typeface="Arial" panose="020B0604020202090204" pitchFamily="34" charset="0"/>
+                <a:latin typeface="Arial" panose="020B0604020202020204" pitchFamily="34" charset="0"/>
                 <a:ea typeface="宋体" panose="02010600030101010101" pitchFamily="2" charset="-122"/>
               </a:defRPr>
             </a:lvl1pPr>
@@ -3548,7 +3533,7 @@
                 <a:solidFill>
                   <a:schemeClr val="tx1"/>
                 </a:solidFill>
-                <a:latin typeface="Arial" panose="020B0604020202090204" pitchFamily="34" charset="0"/>
+                <a:latin typeface="Arial" panose="020B0604020202020204" pitchFamily="34" charset="0"/>
                 <a:ea typeface="宋体" panose="02010600030101010101" pitchFamily="2" charset="-122"/>
               </a:defRPr>
             </a:lvl2pPr>
@@ -3557,7 +3542,7 @@
                 <a:solidFill>
                   <a:schemeClr val="tx1"/>
                 </a:solidFill>
-                <a:latin typeface="Arial" panose="020B0604020202090204" pitchFamily="34" charset="0"/>
+                <a:latin typeface="Arial" panose="020B0604020202020204" pitchFamily="34" charset="0"/>
                 <a:ea typeface="宋体" panose="02010600030101010101" pitchFamily="2" charset="-122"/>
               </a:defRPr>
             </a:lvl3pPr>
@@ -3566,7 +3551,7 @@
                 <a:solidFill>
                   <a:schemeClr val="tx1"/>
                 </a:solidFill>
-                <a:latin typeface="Arial" panose="020B0604020202090204" pitchFamily="34" charset="0"/>
+                <a:latin typeface="Arial" panose="020B0604020202020204" pitchFamily="34" charset="0"/>
                 <a:ea typeface="宋体" panose="02010600030101010101" pitchFamily="2" charset="-122"/>
               </a:defRPr>
             </a:lvl4pPr>
@@ -3575,7 +3560,7 @@
                 <a:solidFill>
                   <a:schemeClr val="tx1"/>
                 </a:solidFill>
-                <a:latin typeface="Arial" panose="020B0604020202090204" pitchFamily="34" charset="0"/>
+                <a:latin typeface="Arial" panose="020B0604020202020204" pitchFamily="34" charset="0"/>
                 <a:ea typeface="宋体" panose="02010600030101010101" pitchFamily="2" charset="-122"/>
               </a:defRPr>
             </a:lvl5pPr>
@@ -3590,7 +3575,7 @@
                 <a:solidFill>
                   <a:schemeClr val="tx1"/>
                 </a:solidFill>
-                <a:latin typeface="Arial" panose="020B0604020202090204" pitchFamily="34" charset="0"/>
+                <a:latin typeface="Arial" panose="020B0604020202020204" pitchFamily="34" charset="0"/>
                 <a:ea typeface="宋体" panose="02010600030101010101" pitchFamily="2" charset="-122"/>
               </a:defRPr>
             </a:lvl6pPr>
@@ -3605,7 +3590,7 @@
                 <a:solidFill>
                   <a:schemeClr val="tx1"/>
                 </a:solidFill>
-                <a:latin typeface="Arial" panose="020B0604020202090204" pitchFamily="34" charset="0"/>
+                <a:latin typeface="Arial" panose="020B0604020202020204" pitchFamily="34" charset="0"/>
                 <a:ea typeface="宋体" panose="02010600030101010101" pitchFamily="2" charset="-122"/>
               </a:defRPr>
             </a:lvl7pPr>
@@ -3620,7 +3605,7 @@
                 <a:solidFill>
                   <a:schemeClr val="tx1"/>
                 </a:solidFill>
-                <a:latin typeface="Arial" panose="020B0604020202090204" pitchFamily="34" charset="0"/>
+                <a:latin typeface="Arial" panose="020B0604020202020204" pitchFamily="34" charset="0"/>
                 <a:ea typeface="宋体" panose="02010600030101010101" pitchFamily="2" charset="-122"/>
               </a:defRPr>
             </a:lvl8pPr>
@@ -3635,7 +3620,7 @@
                 <a:solidFill>
                   <a:schemeClr val="tx1"/>
                 </a:solidFill>
-                <a:latin typeface="Arial" panose="020B0604020202090204" pitchFamily="34" charset="0"/>
+                <a:latin typeface="Arial" panose="020B0604020202020204" pitchFamily="34" charset="0"/>
                 <a:ea typeface="宋体" panose="02010600030101010101" pitchFamily="2" charset="-122"/>
               </a:defRPr>
             </a:lvl9pPr>
@@ -3695,7 +3680,7 @@
                 <a:solidFill>
                   <a:schemeClr val="tx1"/>
                 </a:solidFill>
-                <a:latin typeface="Arial" panose="020B0604020202090204" pitchFamily="34" charset="0"/>
+                <a:latin typeface="Arial" panose="020B0604020202020204" pitchFamily="34" charset="0"/>
                 <a:ea typeface="宋体" panose="02010600030101010101" pitchFamily="2" charset="-122"/>
               </a:defRPr>
             </a:lvl1pPr>
@@ -3704,7 +3689,7 @@
                 <a:solidFill>
                   <a:schemeClr val="tx1"/>
                 </a:solidFill>
-                <a:latin typeface="Arial" panose="020B0604020202090204" pitchFamily="34" charset="0"/>
+                <a:latin typeface="Arial" panose="020B0604020202020204" pitchFamily="34" charset="0"/>
                 <a:ea typeface="宋体" panose="02010600030101010101" pitchFamily="2" charset="-122"/>
               </a:defRPr>
             </a:lvl2pPr>
@@ -3713,7 +3698,7 @@
                 <a:solidFill>
                   <a:schemeClr val="tx1"/>
                 </a:solidFill>
-                <a:latin typeface="Arial" panose="020B0604020202090204" pitchFamily="34" charset="0"/>
+                <a:latin typeface="Arial" panose="020B0604020202020204" pitchFamily="34" charset="0"/>
                 <a:ea typeface="宋体" panose="02010600030101010101" pitchFamily="2" charset="-122"/>
               </a:defRPr>
             </a:lvl3pPr>
@@ -3722,7 +3707,7 @@
                 <a:solidFill>
                   <a:schemeClr val="tx1"/>
                 </a:solidFill>
-                <a:latin typeface="Arial" panose="020B0604020202090204" pitchFamily="34" charset="0"/>
+                <a:latin typeface="Arial" panose="020B0604020202020204" pitchFamily="34" charset="0"/>
                 <a:ea typeface="宋体" panose="02010600030101010101" pitchFamily="2" charset="-122"/>
               </a:defRPr>
             </a:lvl4pPr>
@@ -3731,7 +3716,7 @@
                 <a:solidFill>
                   <a:schemeClr val="tx1"/>
                 </a:solidFill>
-                <a:latin typeface="Arial" panose="020B0604020202090204" pitchFamily="34" charset="0"/>
+                <a:latin typeface="Arial" panose="020B0604020202020204" pitchFamily="34" charset="0"/>
                 <a:ea typeface="宋体" panose="02010600030101010101" pitchFamily="2" charset="-122"/>
               </a:defRPr>
             </a:lvl5pPr>
@@ -3746,7 +3731,7 @@
                 <a:solidFill>
                   <a:schemeClr val="tx1"/>
                 </a:solidFill>
-                <a:latin typeface="Arial" panose="020B0604020202090204" pitchFamily="34" charset="0"/>
+                <a:latin typeface="Arial" panose="020B0604020202020204" pitchFamily="34" charset="0"/>
                 <a:ea typeface="宋体" panose="02010600030101010101" pitchFamily="2" charset="-122"/>
               </a:defRPr>
             </a:lvl6pPr>
@@ -3761,7 +3746,7 @@
                 <a:solidFill>
                   <a:schemeClr val="tx1"/>
                 </a:solidFill>
-                <a:latin typeface="Arial" panose="020B0604020202090204" pitchFamily="34" charset="0"/>
+                <a:latin typeface="Arial" panose="020B0604020202020204" pitchFamily="34" charset="0"/>
                 <a:ea typeface="宋体" panose="02010600030101010101" pitchFamily="2" charset="-122"/>
               </a:defRPr>
             </a:lvl7pPr>
@@ -3776,7 +3761,7 @@
                 <a:solidFill>
                   <a:schemeClr val="tx1"/>
                 </a:solidFill>
-                <a:latin typeface="Arial" panose="020B0604020202090204" pitchFamily="34" charset="0"/>
+                <a:latin typeface="Arial" panose="020B0604020202020204" pitchFamily="34" charset="0"/>
                 <a:ea typeface="宋体" panose="02010600030101010101" pitchFamily="2" charset="-122"/>
               </a:defRPr>
             </a:lvl8pPr>
@@ -3791,7 +3776,7 @@
                 <a:solidFill>
                   <a:schemeClr val="tx1"/>
                 </a:solidFill>
-                <a:latin typeface="Arial" panose="020B0604020202090204" pitchFamily="34" charset="0"/>
+                <a:latin typeface="Arial" panose="020B0604020202020204" pitchFamily="34" charset="0"/>
                 <a:ea typeface="宋体" panose="02010600030101010101" pitchFamily="2" charset="-122"/>
               </a:defRPr>
             </a:lvl9pPr>
@@ -3858,7 +3843,7 @@
                 <a:solidFill>
                   <a:schemeClr val="tx1"/>
                 </a:solidFill>
-                <a:latin typeface="Arial" panose="020B0604020202090204" pitchFamily="34" charset="0"/>
+                <a:latin typeface="Arial" panose="020B0604020202020204" pitchFamily="34" charset="0"/>
                 <a:ea typeface="宋体" panose="02010600030101010101" pitchFamily="2" charset="-122"/>
               </a:defRPr>
             </a:lvl1pPr>
@@ -3867,7 +3852,7 @@
                 <a:solidFill>
                   <a:schemeClr val="tx1"/>
                 </a:solidFill>
-                <a:latin typeface="Arial" panose="020B0604020202090204" pitchFamily="34" charset="0"/>
+                <a:latin typeface="Arial" panose="020B0604020202020204" pitchFamily="34" charset="0"/>
                 <a:ea typeface="宋体" panose="02010600030101010101" pitchFamily="2" charset="-122"/>
               </a:defRPr>
             </a:lvl2pPr>
@@ -3876,7 +3861,7 @@
                 <a:solidFill>
                   <a:schemeClr val="tx1"/>
                 </a:solidFill>
-                <a:latin typeface="Arial" panose="020B0604020202090204" pitchFamily="34" charset="0"/>
+                <a:latin typeface="Arial" panose="020B0604020202020204" pitchFamily="34" charset="0"/>
                 <a:ea typeface="宋体" panose="02010600030101010101" pitchFamily="2" charset="-122"/>
               </a:defRPr>
             </a:lvl3pPr>
@@ -3885,7 +3870,7 @@
                 <a:solidFill>
                   <a:schemeClr val="tx1"/>
                 </a:solidFill>
-                <a:latin typeface="Arial" panose="020B0604020202090204" pitchFamily="34" charset="0"/>
+                <a:latin typeface="Arial" panose="020B0604020202020204" pitchFamily="34" charset="0"/>
                 <a:ea typeface="宋体" panose="02010600030101010101" pitchFamily="2" charset="-122"/>
               </a:defRPr>
             </a:lvl4pPr>
@@ -3894,7 +3879,7 @@
                 <a:solidFill>
                   <a:schemeClr val="tx1"/>
                 </a:solidFill>
-                <a:latin typeface="Arial" panose="020B0604020202090204" pitchFamily="34" charset="0"/>
+                <a:latin typeface="Arial" panose="020B0604020202020204" pitchFamily="34" charset="0"/>
                 <a:ea typeface="宋体" panose="02010600030101010101" pitchFamily="2" charset="-122"/>
               </a:defRPr>
             </a:lvl5pPr>
@@ -3909,7 +3894,7 @@
                 <a:solidFill>
                   <a:schemeClr val="tx1"/>
                 </a:solidFill>
-                <a:latin typeface="Arial" panose="020B0604020202090204" pitchFamily="34" charset="0"/>
+                <a:latin typeface="Arial" panose="020B0604020202020204" pitchFamily="34" charset="0"/>
                 <a:ea typeface="宋体" panose="02010600030101010101" pitchFamily="2" charset="-122"/>
               </a:defRPr>
             </a:lvl6pPr>
@@ -3924,7 +3909,7 @@
                 <a:solidFill>
                   <a:schemeClr val="tx1"/>
                 </a:solidFill>
-                <a:latin typeface="Arial" panose="020B0604020202090204" pitchFamily="34" charset="0"/>
+                <a:latin typeface="Arial" panose="020B0604020202020204" pitchFamily="34" charset="0"/>
                 <a:ea typeface="宋体" panose="02010600030101010101" pitchFamily="2" charset="-122"/>
               </a:defRPr>
             </a:lvl7pPr>
@@ -3939,7 +3924,7 @@
                 <a:solidFill>
                   <a:schemeClr val="tx1"/>
                 </a:solidFill>
-                <a:latin typeface="Arial" panose="020B0604020202090204" pitchFamily="34" charset="0"/>
+                <a:latin typeface="Arial" panose="020B0604020202020204" pitchFamily="34" charset="0"/>
                 <a:ea typeface="宋体" panose="02010600030101010101" pitchFamily="2" charset="-122"/>
               </a:defRPr>
             </a:lvl8pPr>
@@ -3954,7 +3939,7 @@
                 <a:solidFill>
                   <a:schemeClr val="tx1"/>
                 </a:solidFill>
-                <a:latin typeface="Arial" panose="020B0604020202090204" pitchFamily="34" charset="0"/>
+                <a:latin typeface="Arial" panose="020B0604020202020204" pitchFamily="34" charset="0"/>
                 <a:ea typeface="宋体" panose="02010600030101010101" pitchFamily="2" charset="-122"/>
               </a:defRPr>
             </a:lvl9pPr>
@@ -3968,7 +3953,6 @@
                 <a:latin typeface="Calibri" panose="020F0502020204030204" pitchFamily="34" charset="0"/>
                 <a:sym typeface="宋体" panose="02010600030101010101" pitchFamily="2" charset="-122"/>
               </a:rPr>
-              <a:t>‹#›</a:t>
             </a:fld>
             <a:r>
               <a:rPr lang="zh-CN" altLang="en-US" sz="1600" dirty="0">
@@ -4000,7 +3984,7 @@
           <p:nvPr userDrawn="1"/>
         </p:nvPicPr>
         <p:blipFill>
-          <a:blip r:embed="rId12" cstate="print">
+          <a:blip r:embed="rId11" cstate="print">
             <a:extLst>
               <a:ext uri="{28A0092B-C50C-407E-A947-70E740481C1C}">
                 <a14:useLocalDpi xmlns:a14="http://schemas.microsoft.com/office/drawing/2010/main" val="0"/>
@@ -4244,7 +4228,7 @@
         <a:spcAft>
           <a:spcPct val="0"/>
         </a:spcAft>
-        <a:buFont typeface="Arial" panose="020B0604020202090204" pitchFamily="34" charset="0"/>
+        <a:buFont typeface="Arial" panose="020B0604020202020204" pitchFamily="34" charset="0"/>
         <a:buChar char="•"/>
         <a:defRPr sz="2800" kern="1200">
           <a:solidFill>
@@ -4266,7 +4250,7 @@
         <a:spcAft>
           <a:spcPct val="0"/>
         </a:spcAft>
-        <a:buFont typeface="Arial" panose="020B0604020202090204" pitchFamily="34" charset="0"/>
+        <a:buFont typeface="Arial" panose="020B0604020202020204" pitchFamily="34" charset="0"/>
         <a:buChar char="•"/>
         <a:defRPr sz="2400" kern="1200">
           <a:solidFill>
@@ -4288,7 +4272,7 @@
         <a:spcAft>
           <a:spcPct val="0"/>
         </a:spcAft>
-        <a:buFont typeface="Arial" panose="020B0604020202090204" pitchFamily="34" charset="0"/>
+        <a:buFont typeface="Arial" panose="020B0604020202020204" pitchFamily="34" charset="0"/>
         <a:buChar char="•"/>
         <a:defRPr sz="2000" kern="1200">
           <a:solidFill>
@@ -4310,7 +4294,7 @@
         <a:spcAft>
           <a:spcPct val="0"/>
         </a:spcAft>
-        <a:buFont typeface="Arial" panose="020B0604020202090204" pitchFamily="34" charset="0"/>
+        <a:buFont typeface="Arial" panose="020B0604020202020204" pitchFamily="34" charset="0"/>
         <a:buChar char="•"/>
         <a:defRPr kern="1200">
           <a:solidFill>
@@ -4332,7 +4316,7 @@
         <a:spcAft>
           <a:spcPct val="0"/>
         </a:spcAft>
-        <a:buFont typeface="Arial" panose="020B0604020202090204" pitchFamily="34" charset="0"/>
+        <a:buFont typeface="Arial" panose="020B0604020202020204" pitchFamily="34" charset="0"/>
         <a:buChar char="•"/>
         <a:defRPr kern="1200">
           <a:solidFill>
@@ -4351,7 +4335,7 @@
         <a:spcBef>
           <a:spcPts val="500"/>
         </a:spcBef>
-        <a:buFont typeface="Arial" panose="020B0604020202090204" pitchFamily="34" charset="0"/>
+        <a:buFont typeface="Arial" panose="020B0604020202020204" pitchFamily="34" charset="0"/>
         <a:buChar char="•"/>
         <a:defRPr sz="1800" kern="1200">
           <a:solidFill>
@@ -4369,7 +4353,7 @@
         <a:spcBef>
           <a:spcPts val="500"/>
         </a:spcBef>
-        <a:buFont typeface="Arial" panose="020B0604020202090204" pitchFamily="34" charset="0"/>
+        <a:buFont typeface="Arial" panose="020B0604020202020204" pitchFamily="34" charset="0"/>
         <a:buChar char="•"/>
         <a:defRPr sz="1800" kern="1200">
           <a:solidFill>
@@ -4387,7 +4371,7 @@
         <a:spcBef>
           <a:spcPts val="500"/>
         </a:spcBef>
-        <a:buFont typeface="Arial" panose="020B0604020202090204" pitchFamily="34" charset="0"/>
+        <a:buFont typeface="Arial" panose="020B0604020202020204" pitchFamily="34" charset="0"/>
         <a:buChar char="•"/>
         <a:defRPr sz="1800" kern="1200">
           <a:solidFill>
@@ -4405,7 +4389,7 @@
         <a:spcBef>
           <a:spcPts val="500"/>
         </a:spcBef>
-        <a:buFont typeface="Arial" panose="020B0604020202090204" pitchFamily="34" charset="0"/>
+        <a:buFont typeface="Arial" panose="020B0604020202020204" pitchFamily="34" charset="0"/>
         <a:buChar char="•"/>
         <a:defRPr sz="1800" kern="1200">
           <a:solidFill>
@@ -4579,6 +4563,11 @@
               </a:rPr>
               <a:t>正向解析</a:t>
             </a:r>
+            <a:endParaRPr lang="zh-CN" altLang="en-US" sz="3200" dirty="0">
+              <a:solidFill>
+                <a:schemeClr val="tx1"/>
+              </a:solidFill>
+            </a:endParaRPr>
           </a:p>
         </p:txBody>
       </p:sp>
@@ -4605,8 +4594,15 @@
                 <a:cs typeface="+mj-cs"/>
                 <a:sym typeface="Browallia New" panose="020B0604020202020204" charset="0"/>
               </a:rPr>
-              <a:t>张帅</a:t>
-            </a:r>
+              <a:t>万家吉</a:t>
+            </a:r>
+            <a:endParaRPr lang="zh-CN" altLang="en-US" sz="2000" dirty="0">
+              <a:solidFill>
+                <a:schemeClr val="tx1"/>
+              </a:solidFill>
+              <a:cs typeface="+mj-cs"/>
+              <a:sym typeface="Browallia New" panose="020B0604020202020204" charset="0"/>
+            </a:endParaRPr>
           </a:p>
         </p:txBody>
       </p:sp>
@@ -4615,11 +4611,11 @@
   <p:clrMapOvr>
     <a:masterClrMapping/>
   </p:clrMapOvr>
-  <mc:AlternateContent xmlns:mc="http://schemas.openxmlformats.org/markup-compatibility/2006" xmlns:p14="http://schemas.microsoft.com/office/powerpoint/2010/main">
-    <mc:Choice Requires="p14">
+  <mc:AlternateContent xmlns:mc="http://schemas.openxmlformats.org/markup-compatibility/2006">
+    <mc:Choice xmlns:p14="http://schemas.microsoft.com/office/powerpoint/2010/main" Requires="p14">
       <p:transition spd="slow" p14:dur="2000" advTm="964"/>
     </mc:Choice>
-    <mc:Fallback xmlns="">
+    <mc:Fallback>
       <p:transition spd="slow" advTm="964"/>
     </mc:Fallback>
   </mc:AlternateContent>
@@ -4645,13 +4641,7 @@
       </p:grpSpPr>
       <p:sp>
         <p:nvSpPr>
-          <p:cNvPr id="2" name="标题 1">
-            <a:extLst>
-              <a:ext uri="{FF2B5EF4-FFF2-40B4-BE49-F238E27FC236}">
-                <a16:creationId xmlns:a16="http://schemas.microsoft.com/office/drawing/2014/main" id="{12B9C00B-1A97-4395-8BFD-8B5FBD1CC97D}"/>
-              </a:ext>
-            </a:extLst>
-          </p:cNvPr>
+          <p:cNvPr id="2" name="标题 1"/>
           <p:cNvSpPr>
             <a:spLocks noGrp="1"/>
           </p:cNvSpPr>
@@ -4673,18 +4663,13 @@
               <a:rPr lang="zh-CN" altLang="en-US" dirty="0"/>
               <a:t>测试</a:t>
             </a:r>
+            <a:endParaRPr lang="zh-CN" altLang="en-US" dirty="0"/>
           </a:p>
         </p:txBody>
       </p:sp>
       <p:sp>
         <p:nvSpPr>
-          <p:cNvPr id="4" name="副标题 3">
-            <a:extLst>
-              <a:ext uri="{FF2B5EF4-FFF2-40B4-BE49-F238E27FC236}">
-                <a16:creationId xmlns:a16="http://schemas.microsoft.com/office/drawing/2014/main" id="{A30BF787-E9C5-48A3-BBF5-796F0DB79710}"/>
-              </a:ext>
-            </a:extLst>
-          </p:cNvPr>
+          <p:cNvPr id="4" name="副标题 3"/>
           <p:cNvSpPr>
             <a:spLocks noGrp="1"/>
           </p:cNvSpPr>
@@ -4994,6 +4979,13 @@
               </a:rPr>
               <a:t>service  named  start</a:t>
             </a:r>
+            <a:endParaRPr lang="en-US" altLang="zh-CN" b="0" dirty="0">
+              <a:solidFill>
+                <a:srgbClr val="FF0000"/>
+              </a:solidFill>
+              <a:latin typeface="华文中宋" panose="02010600040101010101" pitchFamily="2" charset="-122"/>
+              <a:ea typeface="华文中宋" panose="02010600040101010101" pitchFamily="2" charset="-122"/>
+            </a:endParaRPr>
           </a:p>
           <a:p>
             <a:pPr>
@@ -5010,20 +5002,14 @@
       </p:sp>
       <p:pic>
         <p:nvPicPr>
-          <p:cNvPr id="5" name="图片 4">
-            <a:extLst>
-              <a:ext uri="{FF2B5EF4-FFF2-40B4-BE49-F238E27FC236}">
-                <a16:creationId xmlns:a16="http://schemas.microsoft.com/office/drawing/2014/main" id="{9A3A38CC-07B4-4940-B68A-F6E714D52413}"/>
-              </a:ext>
-            </a:extLst>
-          </p:cNvPr>
+          <p:cNvPr id="5" name="图片 4"/>
           <p:cNvPicPr>
             <a:picLocks noChangeAspect="1"/>
           </p:cNvPicPr>
           <p:nvPr/>
         </p:nvPicPr>
         <p:blipFill>
-          <a:blip r:embed="rId2"/>
+          <a:blip r:embed="rId1"/>
           <a:stretch>
             <a:fillRect/>
           </a:stretch>
@@ -5039,11 +5025,6 @@
         </p:spPr>
       </p:pic>
     </p:spTree>
-    <p:extLst>
-      <p:ext uri="{BB962C8B-B14F-4D97-AF65-F5344CB8AC3E}">
-        <p14:creationId xmlns:p14="http://schemas.microsoft.com/office/powerpoint/2010/main" val="2014645763"/>
-      </p:ext>
-    </p:extLst>
   </p:cSld>
   <p:clrMapOvr>
     <a:masterClrMapping/>
@@ -5077,7 +5058,7 @@
           <p:nvPr/>
         </p:nvPicPr>
         <p:blipFill>
-          <a:blip r:embed="rId2" cstate="print">
+          <a:blip r:embed="rId1" cstate="print">
             <a:extLst>
               <a:ext uri="{28A0092B-C50C-407E-A947-70E740481C1C}">
                 <a14:useLocalDpi xmlns:a14="http://schemas.microsoft.com/office/drawing/2010/main" val="0"/>
@@ -5473,7 +5454,7 @@
                 <a:solidFill>
                   <a:schemeClr val="tx1"/>
                 </a:solidFill>
-                <a:latin typeface="Arial" panose="020B0604020202090204" pitchFamily="34" charset="0"/>
+                <a:latin typeface="Arial" panose="020B0604020202020204" pitchFamily="34" charset="0"/>
               </a:defRPr>
             </a:lvl1pPr>
             <a:lvl2pPr>
@@ -5481,7 +5462,7 @@
                 <a:solidFill>
                   <a:schemeClr val="tx1"/>
                 </a:solidFill>
-                <a:latin typeface="Arial" panose="020B0604020202090204" pitchFamily="34" charset="0"/>
+                <a:latin typeface="Arial" panose="020B0604020202020204" pitchFamily="34" charset="0"/>
               </a:defRPr>
             </a:lvl2pPr>
             <a:lvl3pPr>
@@ -5489,7 +5470,7 @@
                 <a:solidFill>
                   <a:schemeClr val="tx1"/>
                 </a:solidFill>
-                <a:latin typeface="Arial" panose="020B0604020202090204" pitchFamily="34" charset="0"/>
+                <a:latin typeface="Arial" panose="020B0604020202020204" pitchFamily="34" charset="0"/>
               </a:defRPr>
             </a:lvl3pPr>
             <a:lvl4pPr>
@@ -5497,7 +5478,7 @@
                 <a:solidFill>
                   <a:schemeClr val="tx1"/>
                 </a:solidFill>
-                <a:latin typeface="Arial" panose="020B0604020202090204" pitchFamily="34" charset="0"/>
+                <a:latin typeface="Arial" panose="020B0604020202020204" pitchFamily="34" charset="0"/>
               </a:defRPr>
             </a:lvl4pPr>
             <a:lvl5pPr>
@@ -5505,7 +5486,7 @@
                 <a:solidFill>
                   <a:schemeClr val="tx1"/>
                 </a:solidFill>
-                <a:latin typeface="Arial" panose="020B0604020202090204" pitchFamily="34" charset="0"/>
+                <a:latin typeface="Arial" panose="020B0604020202020204" pitchFamily="34" charset="0"/>
               </a:defRPr>
             </a:lvl5pPr>
             <a:lvl6pPr fontAlgn="base">
@@ -5515,12 +5496,12 @@
               <a:spcAft>
                 <a:spcPct val="0"/>
               </a:spcAft>
-              <a:buFont typeface="Arial" panose="020B0604020202090204" pitchFamily="34" charset="0"/>
+              <a:buFont typeface="Arial" panose="020B0604020202020204" pitchFamily="34" charset="0"/>
               <a:defRPr>
                 <a:solidFill>
                   <a:schemeClr val="tx1"/>
                 </a:solidFill>
-                <a:latin typeface="Arial" panose="020B0604020202090204" pitchFamily="34" charset="0"/>
+                <a:latin typeface="Arial" panose="020B0604020202020204" pitchFamily="34" charset="0"/>
               </a:defRPr>
             </a:lvl6pPr>
             <a:lvl7pPr fontAlgn="base">
@@ -5530,12 +5511,12 @@
               <a:spcAft>
                 <a:spcPct val="0"/>
               </a:spcAft>
-              <a:buFont typeface="Arial" panose="020B0604020202090204" pitchFamily="34" charset="0"/>
+              <a:buFont typeface="Arial" panose="020B0604020202020204" pitchFamily="34" charset="0"/>
               <a:defRPr>
                 <a:solidFill>
                   <a:schemeClr val="tx1"/>
                 </a:solidFill>
-                <a:latin typeface="Arial" panose="020B0604020202090204" pitchFamily="34" charset="0"/>
+                <a:latin typeface="Arial" panose="020B0604020202020204" pitchFamily="34" charset="0"/>
               </a:defRPr>
             </a:lvl7pPr>
             <a:lvl8pPr fontAlgn="base">
@@ -5545,12 +5526,12 @@
               <a:spcAft>
                 <a:spcPct val="0"/>
               </a:spcAft>
-              <a:buFont typeface="Arial" panose="020B0604020202090204" pitchFamily="34" charset="0"/>
+              <a:buFont typeface="Arial" panose="020B0604020202020204" pitchFamily="34" charset="0"/>
               <a:defRPr>
                 <a:solidFill>
                   <a:schemeClr val="tx1"/>
                 </a:solidFill>
-                <a:latin typeface="Arial" panose="020B0604020202090204" pitchFamily="34" charset="0"/>
+                <a:latin typeface="Arial" panose="020B0604020202020204" pitchFamily="34" charset="0"/>
               </a:defRPr>
             </a:lvl8pPr>
             <a:lvl9pPr fontAlgn="base">
@@ -5560,12 +5541,12 @@
               <a:spcAft>
                 <a:spcPct val="0"/>
               </a:spcAft>
-              <a:buFont typeface="Arial" panose="020B0604020202090204" pitchFamily="34" charset="0"/>
+              <a:buFont typeface="Arial" panose="020B0604020202020204" pitchFamily="34" charset="0"/>
               <a:defRPr>
                 <a:solidFill>
                   <a:schemeClr val="tx1"/>
                 </a:solidFill>
-                <a:latin typeface="Arial" panose="020B0604020202090204" pitchFamily="34" charset="0"/>
+                <a:latin typeface="Arial" panose="020B0604020202020204" pitchFamily="34" charset="0"/>
               </a:defRPr>
             </a:lvl9pPr>
           </a:lstStyle>
@@ -5660,7 +5641,7 @@
                   <a:solidFill>
                     <a:schemeClr val="tx1"/>
                   </a:solidFill>
-                  <a:latin typeface="Arial" panose="020B0604020202090204" pitchFamily="34" charset="0"/>
+                  <a:latin typeface="Arial" panose="020B0604020202020204" pitchFamily="34" charset="0"/>
                   <a:ea typeface="宋体" panose="02010600030101010101" pitchFamily="2" charset="-122"/>
                 </a:defRPr>
               </a:lvl1pPr>
@@ -5669,7 +5650,7 @@
                   <a:solidFill>
                     <a:schemeClr val="tx1"/>
                   </a:solidFill>
-                  <a:latin typeface="Arial" panose="020B0604020202090204" pitchFamily="34" charset="0"/>
+                  <a:latin typeface="Arial" panose="020B0604020202020204" pitchFamily="34" charset="0"/>
                   <a:ea typeface="宋体" panose="02010600030101010101" pitchFamily="2" charset="-122"/>
                 </a:defRPr>
               </a:lvl2pPr>
@@ -5678,7 +5659,7 @@
                   <a:solidFill>
                     <a:schemeClr val="tx1"/>
                   </a:solidFill>
-                  <a:latin typeface="Arial" panose="020B0604020202090204" pitchFamily="34" charset="0"/>
+                  <a:latin typeface="Arial" panose="020B0604020202020204" pitchFamily="34" charset="0"/>
                   <a:ea typeface="宋体" panose="02010600030101010101" pitchFamily="2" charset="-122"/>
                 </a:defRPr>
               </a:lvl3pPr>
@@ -5687,7 +5668,7 @@
                   <a:solidFill>
                     <a:schemeClr val="tx1"/>
                   </a:solidFill>
-                  <a:latin typeface="Arial" panose="020B0604020202090204" pitchFamily="34" charset="0"/>
+                  <a:latin typeface="Arial" panose="020B0604020202020204" pitchFamily="34" charset="0"/>
                   <a:ea typeface="宋体" panose="02010600030101010101" pitchFamily="2" charset="-122"/>
                 </a:defRPr>
               </a:lvl4pPr>
@@ -5696,7 +5677,7 @@
                   <a:solidFill>
                     <a:schemeClr val="tx1"/>
                   </a:solidFill>
-                  <a:latin typeface="Arial" panose="020B0604020202090204" pitchFamily="34" charset="0"/>
+                  <a:latin typeface="Arial" panose="020B0604020202020204" pitchFamily="34" charset="0"/>
                   <a:ea typeface="宋体" panose="02010600030101010101" pitchFamily="2" charset="-122"/>
                 </a:defRPr>
               </a:lvl5pPr>
@@ -5711,7 +5692,7 @@
                   <a:solidFill>
                     <a:schemeClr val="tx1"/>
                   </a:solidFill>
-                  <a:latin typeface="Arial" panose="020B0604020202090204" pitchFamily="34" charset="0"/>
+                  <a:latin typeface="Arial" panose="020B0604020202020204" pitchFamily="34" charset="0"/>
                   <a:ea typeface="宋体" panose="02010600030101010101" pitchFamily="2" charset="-122"/>
                 </a:defRPr>
               </a:lvl6pPr>
@@ -5726,7 +5707,7 @@
                   <a:solidFill>
                     <a:schemeClr val="tx1"/>
                   </a:solidFill>
-                  <a:latin typeface="Arial" panose="020B0604020202090204" pitchFamily="34" charset="0"/>
+                  <a:latin typeface="Arial" panose="020B0604020202020204" pitchFamily="34" charset="0"/>
                   <a:ea typeface="宋体" panose="02010600030101010101" pitchFamily="2" charset="-122"/>
                 </a:defRPr>
               </a:lvl7pPr>
@@ -5741,7 +5722,7 @@
                   <a:solidFill>
                     <a:schemeClr val="tx1"/>
                   </a:solidFill>
-                  <a:latin typeface="Arial" panose="020B0604020202090204" pitchFamily="34" charset="0"/>
+                  <a:latin typeface="Arial" panose="020B0604020202020204" pitchFamily="34" charset="0"/>
                   <a:ea typeface="宋体" panose="02010600030101010101" pitchFamily="2" charset="-122"/>
                 </a:defRPr>
               </a:lvl8pPr>
@@ -5756,14 +5737,14 @@
                   <a:solidFill>
                     <a:schemeClr val="tx1"/>
                   </a:solidFill>
-                  <a:latin typeface="Arial" panose="020B0604020202090204" pitchFamily="34" charset="0"/>
+                  <a:latin typeface="Arial" panose="020B0604020202020204" pitchFamily="34" charset="0"/>
                   <a:ea typeface="宋体" panose="02010600030101010101" pitchFamily="2" charset="-122"/>
                 </a:defRPr>
               </a:lvl9pPr>
             </a:lstStyle>
             <a:p>
               <a:pPr algn="ctr" eaLnBrk="1" hangingPunct="1">
-                <a:buFont typeface="Arial" panose="020B0604020202090204" pitchFamily="34" charset="0"/>
+                <a:buFont typeface="Arial" panose="020B0604020202020204" pitchFamily="34" charset="0"/>
                 <a:buNone/>
               </a:pPr>
               <a:endParaRPr lang="zh-CN" altLang="zh-CN">
@@ -7576,7 +7557,7 @@
                     <a:solidFill>
                       <a:schemeClr val="tx1"/>
                     </a:solidFill>
-                    <a:latin typeface="Arial" panose="020B0604020202090204" pitchFamily="34" charset="0"/>
+                    <a:latin typeface="Arial" panose="020B0604020202020204" pitchFamily="34" charset="0"/>
                     <a:ea typeface="宋体" panose="02010600030101010101" pitchFamily="2" charset="-122"/>
                   </a:defRPr>
                 </a:lvl1pPr>
@@ -7585,7 +7566,7 @@
                     <a:solidFill>
                       <a:schemeClr val="tx1"/>
                     </a:solidFill>
-                    <a:latin typeface="Arial" panose="020B0604020202090204" pitchFamily="34" charset="0"/>
+                    <a:latin typeface="Arial" panose="020B0604020202020204" pitchFamily="34" charset="0"/>
                     <a:ea typeface="宋体" panose="02010600030101010101" pitchFamily="2" charset="-122"/>
                   </a:defRPr>
                 </a:lvl2pPr>
@@ -7594,7 +7575,7 @@
                     <a:solidFill>
                       <a:schemeClr val="tx1"/>
                     </a:solidFill>
-                    <a:latin typeface="Arial" panose="020B0604020202090204" pitchFamily="34" charset="0"/>
+                    <a:latin typeface="Arial" panose="020B0604020202020204" pitchFamily="34" charset="0"/>
                     <a:ea typeface="宋体" panose="02010600030101010101" pitchFamily="2" charset="-122"/>
                   </a:defRPr>
                 </a:lvl3pPr>
@@ -7603,7 +7584,7 @@
                     <a:solidFill>
                       <a:schemeClr val="tx1"/>
                     </a:solidFill>
-                    <a:latin typeface="Arial" panose="020B0604020202090204" pitchFamily="34" charset="0"/>
+                    <a:latin typeface="Arial" panose="020B0604020202020204" pitchFamily="34" charset="0"/>
                     <a:ea typeface="宋体" panose="02010600030101010101" pitchFamily="2" charset="-122"/>
                   </a:defRPr>
                 </a:lvl4pPr>
@@ -7612,7 +7593,7 @@
                     <a:solidFill>
                       <a:schemeClr val="tx1"/>
                     </a:solidFill>
-                    <a:latin typeface="Arial" panose="020B0604020202090204" pitchFamily="34" charset="0"/>
+                    <a:latin typeface="Arial" panose="020B0604020202020204" pitchFamily="34" charset="0"/>
                     <a:ea typeface="宋体" panose="02010600030101010101" pitchFamily="2" charset="-122"/>
                   </a:defRPr>
                 </a:lvl5pPr>
@@ -7627,7 +7608,7 @@
                     <a:solidFill>
                       <a:schemeClr val="tx1"/>
                     </a:solidFill>
-                    <a:latin typeface="Arial" panose="020B0604020202090204" pitchFamily="34" charset="0"/>
+                    <a:latin typeface="Arial" panose="020B0604020202020204" pitchFamily="34" charset="0"/>
                     <a:ea typeface="宋体" panose="02010600030101010101" pitchFamily="2" charset="-122"/>
                   </a:defRPr>
                 </a:lvl6pPr>
@@ -7642,7 +7623,7 @@
                     <a:solidFill>
                       <a:schemeClr val="tx1"/>
                     </a:solidFill>
-                    <a:latin typeface="Arial" panose="020B0604020202090204" pitchFamily="34" charset="0"/>
+                    <a:latin typeface="Arial" panose="020B0604020202020204" pitchFamily="34" charset="0"/>
                     <a:ea typeface="宋体" panose="02010600030101010101" pitchFamily="2" charset="-122"/>
                   </a:defRPr>
                 </a:lvl7pPr>
@@ -7657,7 +7638,7 @@
                     <a:solidFill>
                       <a:schemeClr val="tx1"/>
                     </a:solidFill>
-                    <a:latin typeface="Arial" panose="020B0604020202090204" pitchFamily="34" charset="0"/>
+                    <a:latin typeface="Arial" panose="020B0604020202020204" pitchFamily="34" charset="0"/>
                     <a:ea typeface="宋体" panose="02010600030101010101" pitchFamily="2" charset="-122"/>
                   </a:defRPr>
                 </a:lvl8pPr>
@@ -7672,14 +7653,14 @@
                     <a:solidFill>
                       <a:schemeClr val="tx1"/>
                     </a:solidFill>
-                    <a:latin typeface="Arial" panose="020B0604020202090204" pitchFamily="34" charset="0"/>
+                    <a:latin typeface="Arial" panose="020B0604020202020204" pitchFamily="34" charset="0"/>
                     <a:ea typeface="宋体" panose="02010600030101010101" pitchFamily="2" charset="-122"/>
                   </a:defRPr>
                 </a:lvl9pPr>
               </a:lstStyle>
               <a:p>
                 <a:pPr eaLnBrk="1" hangingPunct="1">
-                  <a:buFont typeface="Arial" panose="020B0604020202090204" pitchFamily="34" charset="0"/>
+                  <a:buFont typeface="Arial" panose="020B0604020202020204" pitchFamily="34" charset="0"/>
                   <a:buNone/>
                 </a:pPr>
                 <a:endParaRPr lang="zh-CN" altLang="zh-CN">
@@ -9340,7 +9321,7 @@
                     <a:solidFill>
                       <a:schemeClr val="tx1"/>
                     </a:solidFill>
-                    <a:latin typeface="Arial" panose="020B0604020202090204" pitchFamily="34" charset="0"/>
+                    <a:latin typeface="Arial" panose="020B0604020202020204" pitchFamily="34" charset="0"/>
                     <a:ea typeface="宋体" panose="02010600030101010101" pitchFamily="2" charset="-122"/>
                   </a:defRPr>
                 </a:lvl1pPr>
@@ -9349,7 +9330,7 @@
                     <a:solidFill>
                       <a:schemeClr val="tx1"/>
                     </a:solidFill>
-                    <a:latin typeface="Arial" panose="020B0604020202090204" pitchFamily="34" charset="0"/>
+                    <a:latin typeface="Arial" panose="020B0604020202020204" pitchFamily="34" charset="0"/>
                     <a:ea typeface="宋体" panose="02010600030101010101" pitchFamily="2" charset="-122"/>
                   </a:defRPr>
                 </a:lvl2pPr>
@@ -9358,7 +9339,7 @@
                     <a:solidFill>
                       <a:schemeClr val="tx1"/>
                     </a:solidFill>
-                    <a:latin typeface="Arial" panose="020B0604020202090204" pitchFamily="34" charset="0"/>
+                    <a:latin typeface="Arial" panose="020B0604020202020204" pitchFamily="34" charset="0"/>
                     <a:ea typeface="宋体" panose="02010600030101010101" pitchFamily="2" charset="-122"/>
                   </a:defRPr>
                 </a:lvl3pPr>
@@ -9367,7 +9348,7 @@
                     <a:solidFill>
                       <a:schemeClr val="tx1"/>
                     </a:solidFill>
-                    <a:latin typeface="Arial" panose="020B0604020202090204" pitchFamily="34" charset="0"/>
+                    <a:latin typeface="Arial" panose="020B0604020202020204" pitchFamily="34" charset="0"/>
                     <a:ea typeface="宋体" panose="02010600030101010101" pitchFamily="2" charset="-122"/>
                   </a:defRPr>
                 </a:lvl4pPr>
@@ -9376,7 +9357,7 @@
                     <a:solidFill>
                       <a:schemeClr val="tx1"/>
                     </a:solidFill>
-                    <a:latin typeface="Arial" panose="020B0604020202090204" pitchFamily="34" charset="0"/>
+                    <a:latin typeface="Arial" panose="020B0604020202020204" pitchFamily="34" charset="0"/>
                     <a:ea typeface="宋体" panose="02010600030101010101" pitchFamily="2" charset="-122"/>
                   </a:defRPr>
                 </a:lvl5pPr>
@@ -9391,7 +9372,7 @@
                     <a:solidFill>
                       <a:schemeClr val="tx1"/>
                     </a:solidFill>
-                    <a:latin typeface="Arial" panose="020B0604020202090204" pitchFamily="34" charset="0"/>
+                    <a:latin typeface="Arial" panose="020B0604020202020204" pitchFamily="34" charset="0"/>
                     <a:ea typeface="宋体" panose="02010600030101010101" pitchFamily="2" charset="-122"/>
                   </a:defRPr>
                 </a:lvl6pPr>
@@ -9406,7 +9387,7 @@
                     <a:solidFill>
                       <a:schemeClr val="tx1"/>
                     </a:solidFill>
-                    <a:latin typeface="Arial" panose="020B0604020202090204" pitchFamily="34" charset="0"/>
+                    <a:latin typeface="Arial" panose="020B0604020202020204" pitchFamily="34" charset="0"/>
                     <a:ea typeface="宋体" panose="02010600030101010101" pitchFamily="2" charset="-122"/>
                   </a:defRPr>
                 </a:lvl7pPr>
@@ -9421,7 +9402,7 @@
                     <a:solidFill>
                       <a:schemeClr val="tx1"/>
                     </a:solidFill>
-                    <a:latin typeface="Arial" panose="020B0604020202090204" pitchFamily="34" charset="0"/>
+                    <a:latin typeface="Arial" panose="020B0604020202020204" pitchFamily="34" charset="0"/>
                     <a:ea typeface="宋体" panose="02010600030101010101" pitchFamily="2" charset="-122"/>
                   </a:defRPr>
                 </a:lvl8pPr>
@@ -9436,14 +9417,14 @@
                     <a:solidFill>
                       <a:schemeClr val="tx1"/>
                     </a:solidFill>
-                    <a:latin typeface="Arial" panose="020B0604020202090204" pitchFamily="34" charset="0"/>
+                    <a:latin typeface="Arial" panose="020B0604020202020204" pitchFamily="34" charset="0"/>
                     <a:ea typeface="宋体" panose="02010600030101010101" pitchFamily="2" charset="-122"/>
                   </a:defRPr>
                 </a:lvl9pPr>
               </a:lstStyle>
               <a:p>
                 <a:pPr eaLnBrk="1" hangingPunct="1">
-                  <a:buFont typeface="Arial" panose="020B0604020202090204" pitchFamily="34" charset="0"/>
+                  <a:buFont typeface="Arial" panose="020B0604020202020204" pitchFamily="34" charset="0"/>
                   <a:buNone/>
                 </a:pPr>
                 <a:endParaRPr lang="zh-CN" altLang="zh-CN">
@@ -11084,7 +11065,7 @@
                     <a:solidFill>
                       <a:schemeClr val="tx1"/>
                     </a:solidFill>
-                    <a:latin typeface="Arial" panose="020B0604020202090204" pitchFamily="34" charset="0"/>
+                    <a:latin typeface="Arial" panose="020B0604020202020204" pitchFamily="34" charset="0"/>
                     <a:ea typeface="宋体" panose="02010600030101010101" pitchFamily="2" charset="-122"/>
                   </a:defRPr>
                 </a:lvl1pPr>
@@ -11093,7 +11074,7 @@
                     <a:solidFill>
                       <a:schemeClr val="tx1"/>
                     </a:solidFill>
-                    <a:latin typeface="Arial" panose="020B0604020202090204" pitchFamily="34" charset="0"/>
+                    <a:latin typeface="Arial" panose="020B0604020202020204" pitchFamily="34" charset="0"/>
                     <a:ea typeface="宋体" panose="02010600030101010101" pitchFamily="2" charset="-122"/>
                   </a:defRPr>
                 </a:lvl2pPr>
@@ -11102,7 +11083,7 @@
                     <a:solidFill>
                       <a:schemeClr val="tx1"/>
                     </a:solidFill>
-                    <a:latin typeface="Arial" panose="020B0604020202090204" pitchFamily="34" charset="0"/>
+                    <a:latin typeface="Arial" panose="020B0604020202020204" pitchFamily="34" charset="0"/>
                     <a:ea typeface="宋体" panose="02010600030101010101" pitchFamily="2" charset="-122"/>
                   </a:defRPr>
                 </a:lvl3pPr>
@@ -11111,7 +11092,7 @@
                     <a:solidFill>
                       <a:schemeClr val="tx1"/>
                     </a:solidFill>
-                    <a:latin typeface="Arial" panose="020B0604020202090204" pitchFamily="34" charset="0"/>
+                    <a:latin typeface="Arial" panose="020B0604020202020204" pitchFamily="34" charset="0"/>
                     <a:ea typeface="宋体" panose="02010600030101010101" pitchFamily="2" charset="-122"/>
                   </a:defRPr>
                 </a:lvl4pPr>
@@ -11120,7 +11101,7 @@
                     <a:solidFill>
                       <a:schemeClr val="tx1"/>
                     </a:solidFill>
-                    <a:latin typeface="Arial" panose="020B0604020202090204" pitchFamily="34" charset="0"/>
+                    <a:latin typeface="Arial" panose="020B0604020202020204" pitchFamily="34" charset="0"/>
                     <a:ea typeface="宋体" panose="02010600030101010101" pitchFamily="2" charset="-122"/>
                   </a:defRPr>
                 </a:lvl5pPr>
@@ -11135,7 +11116,7 @@
                     <a:solidFill>
                       <a:schemeClr val="tx1"/>
                     </a:solidFill>
-                    <a:latin typeface="Arial" panose="020B0604020202090204" pitchFamily="34" charset="0"/>
+                    <a:latin typeface="Arial" panose="020B0604020202020204" pitchFamily="34" charset="0"/>
                     <a:ea typeface="宋体" panose="02010600030101010101" pitchFamily="2" charset="-122"/>
                   </a:defRPr>
                 </a:lvl6pPr>
@@ -11150,7 +11131,7 @@
                     <a:solidFill>
                       <a:schemeClr val="tx1"/>
                     </a:solidFill>
-                    <a:latin typeface="Arial" panose="020B0604020202090204" pitchFamily="34" charset="0"/>
+                    <a:latin typeface="Arial" panose="020B0604020202020204" pitchFamily="34" charset="0"/>
                     <a:ea typeface="宋体" panose="02010600030101010101" pitchFamily="2" charset="-122"/>
                   </a:defRPr>
                 </a:lvl7pPr>
@@ -11165,7 +11146,7 @@
                     <a:solidFill>
                       <a:schemeClr val="tx1"/>
                     </a:solidFill>
-                    <a:latin typeface="Arial" panose="020B0604020202090204" pitchFamily="34" charset="0"/>
+                    <a:latin typeface="Arial" panose="020B0604020202020204" pitchFamily="34" charset="0"/>
                     <a:ea typeface="宋体" panose="02010600030101010101" pitchFamily="2" charset="-122"/>
                   </a:defRPr>
                 </a:lvl8pPr>
@@ -11180,14 +11161,14 @@
                     <a:solidFill>
                       <a:schemeClr val="tx1"/>
                     </a:solidFill>
-                    <a:latin typeface="Arial" panose="020B0604020202090204" pitchFamily="34" charset="0"/>
+                    <a:latin typeface="Arial" panose="020B0604020202020204" pitchFamily="34" charset="0"/>
                     <a:ea typeface="宋体" panose="02010600030101010101" pitchFamily="2" charset="-122"/>
                   </a:defRPr>
                 </a:lvl9pPr>
               </a:lstStyle>
               <a:p>
                 <a:pPr eaLnBrk="1" hangingPunct="1">
-                  <a:buFont typeface="Arial" panose="020B0604020202090204" pitchFamily="34" charset="0"/>
+                  <a:buFont typeface="Arial" panose="020B0604020202020204" pitchFamily="34" charset="0"/>
                   <a:buNone/>
                 </a:pPr>
                 <a:endParaRPr lang="zh-CN" altLang="zh-CN">
@@ -12083,7 +12064,7 @@
             </a:pathLst>
           </a:custGeom>
           <a:blipFill dpi="0" rotWithShape="1">
-            <a:blip r:embed="rId3" cstate="print"/>
+            <a:blip r:embed="rId2" cstate="print"/>
             <a:srcRect/>
             <a:tile tx="0" ty="0" sx="100000" sy="100000" flip="none" algn="tl"/>
           </a:blipFill>
@@ -12115,6 +12096,13 @@
               </a:rPr>
               <a:t>谢谢聆听</a:t>
             </a:r>
+            <a:endParaRPr lang="zh-CN" altLang="en-US" dirty="0">
+              <a:solidFill>
+                <a:schemeClr val="bg1"/>
+              </a:solidFill>
+              <a:latin typeface="+mn-ea"/>
+              <a:ea typeface="+mn-ea"/>
+            </a:endParaRPr>
           </a:p>
         </p:txBody>
       </p:sp>
@@ -12127,7 +12115,7 @@
           <p:nvPr/>
         </p:nvPicPr>
         <p:blipFill>
-          <a:blip r:embed="rId4" cstate="print">
+          <a:blip r:embed="rId3" cstate="print">
             <a:extLst>
               <a:ext uri="{28A0092B-C50C-407E-A947-70E740481C1C}">
                 <a14:useLocalDpi xmlns:a14="http://schemas.microsoft.com/office/drawing/2010/main" val="0"/>
@@ -12221,6 +12209,7 @@
               <a:rPr lang="zh-CN" altLang="en-US" dirty="0"/>
               <a:t>你想到了什么？</a:t>
             </a:r>
+            <a:endParaRPr lang="zh-CN" altLang="en-US" dirty="0"/>
           </a:p>
         </p:txBody>
       </p:sp>
@@ -12255,13 +12244,7 @@
               <a:rPr kumimoji="1" lang="en-US" altLang="zh-CN" dirty="0">
                 <a:latin typeface="华文中宋" panose="02010600040101010101" pitchFamily="2" charset="-122"/>
                 <a:ea typeface="华文中宋" panose="02010600040101010101" pitchFamily="2" charset="-122"/>
-                <a:hlinkClick r:id="rId3">
-                  <a:extLst>
-                    <a:ext uri="{A12FA001-AC4F-418D-AE19-62706E023703}">
-                      <ahyp:hlinkClr xmlns:ahyp="http://schemas.microsoft.com/office/drawing/2018/hyperlinkcolor" val="tx"/>
-                    </a:ext>
-                  </a:extLst>
-                </a:hlinkClick>
+                <a:hlinkClick r:id="rId1"/>
               </a:rPr>
               <a:t>www.baidu.com</a:t>
             </a:r>
@@ -12280,13 +12263,7 @@
               <a:rPr kumimoji="1" lang="en-US" altLang="zh-CN" dirty="0">
                 <a:latin typeface="华文中宋" panose="02010600040101010101" pitchFamily="2" charset="-122"/>
                 <a:ea typeface="华文中宋" panose="02010600040101010101" pitchFamily="2" charset="-122"/>
-                <a:hlinkClick r:id="rId4">
-                  <a:extLst>
-                    <a:ext uri="{A12FA001-AC4F-418D-AE19-62706E023703}">
-                      <ahyp:hlinkClr xmlns:ahyp="http://schemas.microsoft.com/office/drawing/2018/hyperlinkcolor" val="tx"/>
-                    </a:ext>
-                  </a:extLst>
-                </a:hlinkClick>
+                <a:hlinkClick r:id="rId2"/>
               </a:rPr>
               <a:t>www.qq.com</a:t>
             </a:r>
@@ -12308,6 +12285,10 @@
               </a:rPr>
               <a:t> 220.181.38.149</a:t>
             </a:r>
+            <a:endParaRPr kumimoji="1" lang="en-US" altLang="zh-CN" dirty="0">
+              <a:latin typeface="华文中宋" panose="02010600040101010101" pitchFamily="2" charset="-122"/>
+              <a:ea typeface="华文中宋" panose="02010600040101010101" pitchFamily="2" charset="-122"/>
+            </a:endParaRPr>
           </a:p>
           <a:p>
             <a:pPr>
@@ -12322,6 +12303,10 @@
               </a:rPr>
               <a:t> 220.181.38.150</a:t>
             </a:r>
+            <a:endParaRPr kumimoji="1" lang="en-US" altLang="zh-CN" dirty="0">
+              <a:latin typeface="华文中宋" panose="02010600040101010101" pitchFamily="2" charset="-122"/>
+              <a:ea typeface="华文中宋" panose="02010600040101010101" pitchFamily="2" charset="-122"/>
+            </a:endParaRPr>
           </a:p>
           <a:p>
             <a:endParaRPr kumimoji="1" lang="en-US" altLang="zh-CN" dirty="0"/>
@@ -12504,6 +12489,7 @@
               <a:rPr lang="zh-CN" altLang="en-US" dirty="0"/>
               <a:t>什么是正向解析？</a:t>
             </a:r>
+            <a:endParaRPr lang="zh-CN" altLang="en-US" dirty="0"/>
           </a:p>
         </p:txBody>
       </p:sp>
@@ -12588,6 +12574,7 @@
               <a:rPr lang="en-US" altLang="zh-CN" sz="1600" dirty="0"/>
               <a:t> www.baidu.com</a:t>
             </a:r>
+            <a:endParaRPr lang="en-US" altLang="zh-CN" sz="1600" dirty="0"/>
           </a:p>
           <a:p>
             <a:pPr algn="l"/>
@@ -12595,6 +12582,7 @@
               <a:rPr lang="en-US" altLang="zh-CN" sz="1600" dirty="0"/>
               <a:t>Server:         192.168.152.2</a:t>
             </a:r>
+            <a:endParaRPr lang="en-US" altLang="zh-CN" sz="1600" dirty="0"/>
           </a:p>
           <a:p>
             <a:pPr algn="l"/>
@@ -12602,6 +12590,7 @@
               <a:rPr lang="en-US" altLang="zh-CN" sz="1600" dirty="0"/>
               <a:t>Address:        192.168.152.2#53</a:t>
             </a:r>
+            <a:endParaRPr lang="en-US" altLang="zh-CN" sz="1600" dirty="0"/>
           </a:p>
           <a:p>
             <a:pPr algn="l"/>
@@ -12613,6 +12602,7 @@
               <a:rPr lang="en-US" altLang="zh-CN" sz="1600" dirty="0"/>
               <a:t>Non-authoritative answer:</a:t>
             </a:r>
+            <a:endParaRPr lang="en-US" altLang="zh-CN" sz="1600" dirty="0"/>
           </a:p>
           <a:p>
             <a:pPr algn="l"/>
@@ -12620,6 +12610,7 @@
               <a:rPr lang="en-US" altLang="zh-CN" sz="1600" dirty="0"/>
               <a:t>www.baidu.com   canonical name = www.a.shifen.com.</a:t>
             </a:r>
+            <a:endParaRPr lang="en-US" altLang="zh-CN" sz="1600" dirty="0"/>
           </a:p>
           <a:p>
             <a:pPr algn="l"/>
@@ -12627,6 +12618,7 @@
               <a:rPr lang="en-US" altLang="zh-CN" sz="1600" dirty="0"/>
               <a:t>Name:   www.a.shifen.com</a:t>
             </a:r>
+            <a:endParaRPr lang="en-US" altLang="zh-CN" sz="1600" dirty="0"/>
           </a:p>
           <a:p>
             <a:pPr algn="l"/>
@@ -12634,6 +12626,7 @@
               <a:rPr lang="en-US" altLang="zh-CN" sz="1600" dirty="0"/>
               <a:t>Address: 61.135.169.121</a:t>
             </a:r>
+            <a:endParaRPr lang="en-US" altLang="zh-CN" sz="1600" dirty="0"/>
           </a:p>
           <a:p>
             <a:pPr algn="l"/>
@@ -12641,6 +12634,7 @@
               <a:rPr lang="en-US" altLang="zh-CN" sz="1600" dirty="0"/>
               <a:t>Name:   www.a.shifen.com</a:t>
             </a:r>
+            <a:endParaRPr lang="en-US" altLang="zh-CN" sz="1600" dirty="0"/>
           </a:p>
           <a:p>
             <a:pPr algn="l"/>
@@ -12648,6 +12642,7 @@
               <a:rPr lang="en-US" altLang="zh-CN" sz="1600" dirty="0"/>
               <a:t>Address: 61.135.169.125</a:t>
             </a:r>
+            <a:endParaRPr lang="en-US" altLang="zh-CN" sz="1600" dirty="0"/>
           </a:p>
         </p:txBody>
       </p:sp>
@@ -12694,7 +12689,7 @@
               </a:spcAft>
               <a:buClrTx/>
               <a:buSzTx/>
-              <a:buFont typeface="Arial" panose="020B0604020202090204" pitchFamily="34" charset="0"/>
+              <a:buFont typeface="Arial" panose="020B0604020202020204" pitchFamily="34" charset="0"/>
               <a:buNone/>
             </a:pPr>
             <a:r>
@@ -12711,6 +12706,17 @@
               </a:rPr>
               <a:t>例</a:t>
             </a:r>
+            <a:endParaRPr kumimoji="0" lang="zh-CN" altLang="en-US" sz="2400" b="1" i="0" u="none" strike="noStrike" cap="none" normalizeH="0" baseline="0" dirty="0">
+              <a:ln>
+                <a:noFill/>
+              </a:ln>
+              <a:solidFill>
+                <a:srgbClr val="FF0000"/>
+              </a:solidFill>
+              <a:effectLst/>
+              <a:latin typeface="+mn-ea"/>
+              <a:ea typeface="+mn-ea"/>
+            </a:endParaRPr>
           </a:p>
         </p:txBody>
       </p:sp>
@@ -12723,7 +12729,7 @@
           <p:nvPr/>
         </p:nvPicPr>
         <p:blipFill>
-          <a:blip r:embed="rId3" cstate="print">
+          <a:blip r:embed="rId1" cstate="print">
             <a:extLst>
               <a:ext uri="{28A0092B-C50C-407E-A947-70E740481C1C}">
                 <a14:useLocalDpi xmlns:a14="http://schemas.microsoft.com/office/drawing/2010/main" val="0"/>
@@ -12803,6 +12809,10 @@
               </a:rPr>
               <a:t>正向解析安装部署</a:t>
             </a:r>
+            <a:endParaRPr lang="zh-CN" altLang="en-US" dirty="0">
+              <a:latin typeface="华文中宋" panose="02010600040101010101" pitchFamily="2" charset="-122"/>
+              <a:ea typeface="华文中宋" panose="02010600040101010101" pitchFamily="2" charset="-122"/>
+            </a:endParaRPr>
           </a:p>
         </p:txBody>
       </p:sp>
@@ -12952,6 +12962,13 @@
               </a:rPr>
               <a:t> bind-chroot bind-libs</a:t>
             </a:r>
+            <a:endParaRPr kumimoji="1" lang="en-US" altLang="zh-CN" sz="1600" dirty="0">
+              <a:solidFill>
+                <a:srgbClr val="FF0000"/>
+              </a:solidFill>
+              <a:latin typeface="华文中宋" panose="02010600040101010101" pitchFamily="2" charset="-122"/>
+              <a:ea typeface="华文中宋" panose="02010600040101010101" pitchFamily="2" charset="-122"/>
+            </a:endParaRPr>
           </a:p>
           <a:p>
             <a:pPr algn="l">
@@ -13191,13 +13208,7 @@
       </p:grpSpPr>
       <p:sp>
         <p:nvSpPr>
-          <p:cNvPr id="2" name="标题 1">
-            <a:extLst>
-              <a:ext uri="{FF2B5EF4-FFF2-40B4-BE49-F238E27FC236}">
-                <a16:creationId xmlns:a16="http://schemas.microsoft.com/office/drawing/2014/main" id="{9C505F35-3CC0-4172-9AF2-422A951352B4}"/>
-              </a:ext>
-            </a:extLst>
-          </p:cNvPr>
+          <p:cNvPr id="2" name="标题 1"/>
           <p:cNvSpPr>
             <a:spLocks noGrp="1"/>
           </p:cNvSpPr>
@@ -13238,13 +13249,7 @@
       </p:sp>
       <p:sp>
         <p:nvSpPr>
-          <p:cNvPr id="4" name="副标题 3">
-            <a:extLst>
-              <a:ext uri="{FF2B5EF4-FFF2-40B4-BE49-F238E27FC236}">
-                <a16:creationId xmlns:a16="http://schemas.microsoft.com/office/drawing/2014/main" id="{47B437AB-27DA-4138-BA8B-F2DD58CB611A}"/>
-              </a:ext>
-            </a:extLst>
-          </p:cNvPr>
+          <p:cNvPr id="4" name="副标题 3"/>
           <p:cNvSpPr>
             <a:spLocks noGrp="1"/>
           </p:cNvSpPr>
@@ -13330,6 +13335,10 @@
               </a:rPr>
               <a:t>服务程序的运行；</a:t>
             </a:r>
+            <a:endParaRPr lang="zh-CN" altLang="en-US" sz="2000" b="0" dirty="0">
+              <a:latin typeface="华文中宋" panose="02010600040101010101" pitchFamily="2" charset="-122"/>
+              <a:ea typeface="华文中宋" panose="02010600040101010101" pitchFamily="2" charset="-122"/>
+            </a:endParaRPr>
           </a:p>
           <a:p>
             <a:pPr>
@@ -13386,6 +13395,10 @@
               </a:rPr>
               <a:t>地址对应关系的所在位置；</a:t>
             </a:r>
+            <a:endParaRPr lang="zh-CN" altLang="en-US" sz="2000" b="0" dirty="0">
+              <a:latin typeface="华文中宋" panose="02010600040101010101" pitchFamily="2" charset="-122"/>
+              <a:ea typeface="华文中宋" panose="02010600040101010101" pitchFamily="2" charset="-122"/>
+            </a:endParaRPr>
           </a:p>
           <a:p>
             <a:pPr>
@@ -13428,6 +13441,10 @@
               </a:rPr>
               <a:t>地址真实的对应关系的数据配置文件。</a:t>
             </a:r>
+            <a:endParaRPr lang="zh-CN" altLang="en-US" sz="2000" b="0" dirty="0">
+              <a:latin typeface="华文中宋" panose="02010600040101010101" pitchFamily="2" charset="-122"/>
+              <a:ea typeface="华文中宋" panose="02010600040101010101" pitchFamily="2" charset="-122"/>
+            </a:endParaRPr>
           </a:p>
           <a:p>
             <a:endParaRPr lang="zh-CN" altLang="en-US" dirty="0"/>
@@ -13435,11 +13452,6 @@
         </p:txBody>
       </p:sp>
     </p:spTree>
-    <p:extLst>
-      <p:ext uri="{BB962C8B-B14F-4D97-AF65-F5344CB8AC3E}">
-        <p14:creationId xmlns:p14="http://schemas.microsoft.com/office/powerpoint/2010/main" val="1268915643"/>
-      </p:ext>
-    </p:extLst>
   </p:cSld>
   <p:clrMapOvr>
     <a:masterClrMapping/>
@@ -13491,18 +13503,16 @@
               </a:rPr>
               <a:t>修改主配置文件</a:t>
             </a:r>
+            <a:endParaRPr lang="zh-CN" altLang="en-US" dirty="0">
+              <a:latin typeface="华文中宋" panose="02010600040101010101" pitchFamily="2" charset="-122"/>
+              <a:ea typeface="华文中宋" panose="02010600040101010101" pitchFamily="2" charset="-122"/>
+            </a:endParaRPr>
           </a:p>
         </p:txBody>
       </p:sp>
       <p:sp>
         <p:nvSpPr>
-          <p:cNvPr id="3" name="矩形 2">
-            <a:extLst>
-              <a:ext uri="{FF2B5EF4-FFF2-40B4-BE49-F238E27FC236}">
-                <a16:creationId xmlns:a16="http://schemas.microsoft.com/office/drawing/2014/main" id="{7DB079A9-36D3-4797-980E-FAF18D78266E}"/>
-              </a:ext>
-            </a:extLst>
-          </p:cNvPr>
+          <p:cNvPr id="3" name="矩形 2"/>
           <p:cNvSpPr/>
           <p:nvPr/>
         </p:nvSpPr>
@@ -13536,20 +13546,14 @@
       </p:sp>
       <p:pic>
         <p:nvPicPr>
-          <p:cNvPr id="4" name="图片 3">
-            <a:extLst>
-              <a:ext uri="{FF2B5EF4-FFF2-40B4-BE49-F238E27FC236}">
-                <a16:creationId xmlns:a16="http://schemas.microsoft.com/office/drawing/2014/main" id="{C75BEA03-A7DA-4AF4-94E1-A816329B4BE4}"/>
-              </a:ext>
-            </a:extLst>
-          </p:cNvPr>
+          <p:cNvPr id="4" name="图片 3"/>
           <p:cNvPicPr>
             <a:picLocks noChangeAspect="1"/>
           </p:cNvPicPr>
           <p:nvPr/>
         </p:nvPicPr>
         <p:blipFill>
-          <a:blip r:embed="rId3"/>
+          <a:blip r:embed="rId1"/>
           <a:stretch>
             <a:fillRect/>
           </a:stretch>
@@ -13591,13 +13595,7 @@
       </p:grpSpPr>
       <p:sp>
         <p:nvSpPr>
-          <p:cNvPr id="2" name="标题 1">
-            <a:extLst>
-              <a:ext uri="{FF2B5EF4-FFF2-40B4-BE49-F238E27FC236}">
-                <a16:creationId xmlns:a16="http://schemas.microsoft.com/office/drawing/2014/main" id="{ACFBA8DB-BCF7-4709-8753-3742FDDDC651}"/>
-              </a:ext>
-            </a:extLst>
-          </p:cNvPr>
+          <p:cNvPr id="2" name="标题 1"/>
           <p:cNvSpPr>
             <a:spLocks noGrp="1"/>
           </p:cNvSpPr>
@@ -13619,18 +13617,13 @@
               <a:rPr lang="zh-CN" altLang="en-US" dirty="0"/>
               <a:t>配置区域配置文件</a:t>
             </a:r>
+            <a:endParaRPr lang="zh-CN" altLang="en-US" dirty="0"/>
           </a:p>
         </p:txBody>
       </p:sp>
       <p:sp>
         <p:nvSpPr>
-          <p:cNvPr id="3" name="内容占位符 2">
-            <a:extLst>
-              <a:ext uri="{FF2B5EF4-FFF2-40B4-BE49-F238E27FC236}">
-                <a16:creationId xmlns:a16="http://schemas.microsoft.com/office/drawing/2014/main" id="{E82C481C-41E8-4E04-9E38-810E66920212}"/>
-              </a:ext>
-            </a:extLst>
-          </p:cNvPr>
+          <p:cNvPr id="3" name="内容占位符 2"/>
           <p:cNvSpPr>
             <a:spLocks noGrp="1"/>
           </p:cNvSpPr>
@@ -13661,6 +13654,13 @@
               </a:rPr>
               <a:t>zone "wg.com" IN{</a:t>
             </a:r>
+            <a:endParaRPr lang="en-US" altLang="zh-CN" dirty="0">
+              <a:solidFill>
+                <a:schemeClr val="tx1"/>
+              </a:solidFill>
+              <a:latin typeface="华文中宋" panose="02010600040101010101" pitchFamily="2" charset="-122"/>
+              <a:ea typeface="华文中宋" panose="02010600040101010101" pitchFamily="2" charset="-122"/>
+            </a:endParaRPr>
           </a:p>
           <a:p>
             <a:pPr marL="0" indent="0">
@@ -13676,6 +13676,13 @@
               </a:rPr>
               <a:t>        type master;</a:t>
             </a:r>
+            <a:endParaRPr lang="en-US" altLang="zh-CN" dirty="0">
+              <a:solidFill>
+                <a:schemeClr val="tx1"/>
+              </a:solidFill>
+              <a:latin typeface="华文中宋" panose="02010600040101010101" pitchFamily="2" charset="-122"/>
+              <a:ea typeface="华文中宋" panose="02010600040101010101" pitchFamily="2" charset="-122"/>
+            </a:endParaRPr>
           </a:p>
           <a:p>
             <a:pPr marL="0" indent="0">
@@ -13711,6 +13718,13 @@
               </a:rPr>
               <a:t>";</a:t>
             </a:r>
+            <a:endParaRPr lang="en-US" altLang="zh-CN" dirty="0">
+              <a:solidFill>
+                <a:schemeClr val="tx1"/>
+              </a:solidFill>
+              <a:latin typeface="华文中宋" panose="02010600040101010101" pitchFamily="2" charset="-122"/>
+              <a:ea typeface="华文中宋" panose="02010600040101010101" pitchFamily="2" charset="-122"/>
+            </a:endParaRPr>
           </a:p>
           <a:p>
             <a:pPr marL="0" indent="0">
@@ -13726,6 +13740,13 @@
               </a:rPr>
               <a:t>        allow-update{none;};</a:t>
             </a:r>
+            <a:endParaRPr lang="en-US" altLang="zh-CN" dirty="0">
+              <a:solidFill>
+                <a:schemeClr val="tx1"/>
+              </a:solidFill>
+              <a:latin typeface="华文中宋" panose="02010600040101010101" pitchFamily="2" charset="-122"/>
+              <a:ea typeface="华文中宋" panose="02010600040101010101" pitchFamily="2" charset="-122"/>
+            </a:endParaRPr>
           </a:p>
           <a:p>
             <a:pPr marL="0" indent="0">
@@ -13756,13 +13777,7 @@
       </p:sp>
       <p:sp>
         <p:nvSpPr>
-          <p:cNvPr id="4" name="副标题 3">
-            <a:extLst>
-              <a:ext uri="{FF2B5EF4-FFF2-40B4-BE49-F238E27FC236}">
-                <a16:creationId xmlns:a16="http://schemas.microsoft.com/office/drawing/2014/main" id="{2C6720CC-8654-4619-B89E-F3587D1CE847}"/>
-              </a:ext>
-            </a:extLst>
-          </p:cNvPr>
+          <p:cNvPr id="4" name="副标题 3"/>
           <p:cNvSpPr>
             <a:spLocks noGrp="1"/>
           </p:cNvSpPr>
@@ -13810,21 +13825,20 @@
               </a:rPr>
               <a:t>/named.rfc1912.zones</a:t>
             </a:r>
+            <a:endParaRPr lang="en-US" altLang="zh-CN" sz="2000" b="0" dirty="0">
+              <a:solidFill>
+                <a:srgbClr val="FF0000"/>
+              </a:solidFill>
+              <a:latin typeface="华文中宋" panose="02010600040101010101" pitchFamily="2" charset="-122"/>
+              <a:ea typeface="华文中宋" panose="02010600040101010101" pitchFamily="2" charset="-122"/>
+            </a:endParaRPr>
           </a:p>
         </p:txBody>
       </p:sp>
       <p:sp>
         <p:nvSpPr>
-          <p:cNvPr id="5" name="副标题 3">
-            <a:extLst>
-              <a:ext uri="{FF2B5EF4-FFF2-40B4-BE49-F238E27FC236}">
-                <a16:creationId xmlns:a16="http://schemas.microsoft.com/office/drawing/2014/main" id="{596A51C7-CEF0-423E-8FE2-39C56F0E83BE}"/>
-              </a:ext>
-            </a:extLst>
-          </p:cNvPr>
-          <p:cNvSpPr txBox="1">
-            <a:spLocks/>
-          </p:cNvSpPr>
+          <p:cNvPr id="5" name="副标题 3"/>
+          <p:cNvSpPr txBox="1"/>
           <p:nvPr/>
         </p:nvSpPr>
         <p:spPr>
@@ -13849,7 +13863,7 @@
               <a:spcAft>
                 <a:spcPct val="0"/>
               </a:spcAft>
-              <a:buFont typeface="Arial" panose="020B0604020202090204" pitchFamily="34" charset="0"/>
+              <a:buFont typeface="Arial" panose="020B0604020202020204" pitchFamily="34" charset="0"/>
               <a:buNone/>
               <a:defRPr sz="1600" b="1" kern="1200">
                 <a:solidFill>
@@ -13871,7 +13885,7 @@
               <a:spcAft>
                 <a:spcPct val="0"/>
               </a:spcAft>
-              <a:buFont typeface="Arial" panose="020B0604020202090204" pitchFamily="34" charset="0"/>
+              <a:buFont typeface="Arial" panose="020B0604020202020204" pitchFamily="34" charset="0"/>
               <a:buNone/>
               <a:defRPr sz="2400" kern="1200">
                 <a:solidFill>
@@ -13895,7 +13909,7 @@
               <a:spcAft>
                 <a:spcPct val="0"/>
               </a:spcAft>
-              <a:buFont typeface="Arial" panose="020B0604020202090204" pitchFamily="34" charset="0"/>
+              <a:buFont typeface="Arial" panose="020B0604020202020204" pitchFamily="34" charset="0"/>
               <a:buNone/>
               <a:defRPr sz="2000" kern="1200">
                 <a:solidFill>
@@ -13919,7 +13933,7 @@
               <a:spcAft>
                 <a:spcPct val="0"/>
               </a:spcAft>
-              <a:buFont typeface="Arial" panose="020B0604020202090204" pitchFamily="34" charset="0"/>
+              <a:buFont typeface="Arial" panose="020B0604020202020204" pitchFamily="34" charset="0"/>
               <a:buNone/>
               <a:defRPr kern="1200">
                 <a:solidFill>
@@ -13943,7 +13957,7 @@
               <a:spcAft>
                 <a:spcPct val="0"/>
               </a:spcAft>
-              <a:buFont typeface="Arial" panose="020B0604020202090204" pitchFamily="34" charset="0"/>
+              <a:buFont typeface="Arial" panose="020B0604020202020204" pitchFamily="34" charset="0"/>
               <a:buNone/>
               <a:defRPr kern="1200">
                 <a:solidFill>
@@ -13964,7 +13978,7 @@
               <a:spcBef>
                 <a:spcPts val="500"/>
               </a:spcBef>
-              <a:buFont typeface="Arial" panose="020B0604020202090204" pitchFamily="34" charset="0"/>
+              <a:buFont typeface="Arial" panose="020B0604020202020204" pitchFamily="34" charset="0"/>
               <a:buNone/>
               <a:defRPr sz="1800" kern="1200">
                 <a:solidFill>
@@ -13984,7 +13998,7 @@
               <a:spcBef>
                 <a:spcPts val="500"/>
               </a:spcBef>
-              <a:buFont typeface="Arial" panose="020B0604020202090204" pitchFamily="34" charset="0"/>
+              <a:buFont typeface="Arial" panose="020B0604020202020204" pitchFamily="34" charset="0"/>
               <a:buNone/>
               <a:defRPr sz="1800" kern="1200">
                 <a:solidFill>
@@ -14004,7 +14018,7 @@
               <a:spcBef>
                 <a:spcPts val="500"/>
               </a:spcBef>
-              <a:buFont typeface="Arial" panose="020B0604020202090204" pitchFamily="34" charset="0"/>
+              <a:buFont typeface="Arial" panose="020B0604020202020204" pitchFamily="34" charset="0"/>
               <a:buNone/>
               <a:defRPr sz="1800" kern="1200">
                 <a:solidFill>
@@ -14024,7 +14038,7 @@
               <a:spcBef>
                 <a:spcPts val="500"/>
               </a:spcBef>
-              <a:buFont typeface="Arial" panose="020B0604020202090204" pitchFamily="34" charset="0"/>
+              <a:buFont typeface="Arial" panose="020B0604020202020204" pitchFamily="34" charset="0"/>
               <a:buNone/>
               <a:defRPr sz="1800" kern="1200">
                 <a:solidFill>
@@ -14085,16 +14099,8 @@
       </p:sp>
       <p:sp>
         <p:nvSpPr>
-          <p:cNvPr id="8" name="副标题 3">
-            <a:extLst>
-              <a:ext uri="{FF2B5EF4-FFF2-40B4-BE49-F238E27FC236}">
-                <a16:creationId xmlns:a16="http://schemas.microsoft.com/office/drawing/2014/main" id="{0B4E427B-1247-4E4D-86D2-F6060F006723}"/>
-              </a:ext>
-            </a:extLst>
-          </p:cNvPr>
-          <p:cNvSpPr txBox="1">
-            <a:spLocks/>
-          </p:cNvSpPr>
+          <p:cNvPr id="8" name="副标题 3"/>
+          <p:cNvSpPr txBox="1"/>
           <p:nvPr/>
         </p:nvSpPr>
         <p:spPr>
@@ -14119,7 +14125,7 @@
               <a:spcAft>
                 <a:spcPct val="0"/>
               </a:spcAft>
-              <a:buFont typeface="Arial" panose="020B0604020202090204" pitchFamily="34" charset="0"/>
+              <a:buFont typeface="Arial" panose="020B0604020202020204" pitchFamily="34" charset="0"/>
               <a:buNone/>
               <a:defRPr sz="1600" b="1" kern="1200">
                 <a:solidFill>
@@ -14141,7 +14147,7 @@
               <a:spcAft>
                 <a:spcPct val="0"/>
               </a:spcAft>
-              <a:buFont typeface="Arial" panose="020B0604020202090204" pitchFamily="34" charset="0"/>
+              <a:buFont typeface="Arial" panose="020B0604020202020204" pitchFamily="34" charset="0"/>
               <a:buNone/>
               <a:defRPr sz="2400" kern="1200">
                 <a:solidFill>
@@ -14165,7 +14171,7 @@
               <a:spcAft>
                 <a:spcPct val="0"/>
               </a:spcAft>
-              <a:buFont typeface="Arial" panose="020B0604020202090204" pitchFamily="34" charset="0"/>
+              <a:buFont typeface="Arial" panose="020B0604020202020204" pitchFamily="34" charset="0"/>
               <a:buNone/>
               <a:defRPr sz="2000" kern="1200">
                 <a:solidFill>
@@ -14189,7 +14195,7 @@
               <a:spcAft>
                 <a:spcPct val="0"/>
               </a:spcAft>
-              <a:buFont typeface="Arial" panose="020B0604020202090204" pitchFamily="34" charset="0"/>
+              <a:buFont typeface="Arial" panose="020B0604020202020204" pitchFamily="34" charset="0"/>
               <a:buNone/>
               <a:defRPr kern="1200">
                 <a:solidFill>
@@ -14213,7 +14219,7 @@
               <a:spcAft>
                 <a:spcPct val="0"/>
               </a:spcAft>
-              <a:buFont typeface="Arial" panose="020B0604020202090204" pitchFamily="34" charset="0"/>
+              <a:buFont typeface="Arial" panose="020B0604020202020204" pitchFamily="34" charset="0"/>
               <a:buNone/>
               <a:defRPr kern="1200">
                 <a:solidFill>
@@ -14234,7 +14240,7 @@
               <a:spcBef>
                 <a:spcPts val="500"/>
               </a:spcBef>
-              <a:buFont typeface="Arial" panose="020B0604020202090204" pitchFamily="34" charset="0"/>
+              <a:buFont typeface="Arial" panose="020B0604020202020204" pitchFamily="34" charset="0"/>
               <a:buNone/>
               <a:defRPr sz="1800" kern="1200">
                 <a:solidFill>
@@ -14254,7 +14260,7 @@
               <a:spcBef>
                 <a:spcPts val="500"/>
               </a:spcBef>
-              <a:buFont typeface="Arial" panose="020B0604020202090204" pitchFamily="34" charset="0"/>
+              <a:buFont typeface="Arial" panose="020B0604020202020204" pitchFamily="34" charset="0"/>
               <a:buNone/>
               <a:defRPr sz="1800" kern="1200">
                 <a:solidFill>
@@ -14274,7 +14280,7 @@
               <a:spcBef>
                 <a:spcPts val="500"/>
               </a:spcBef>
-              <a:buFont typeface="Arial" panose="020B0604020202090204" pitchFamily="34" charset="0"/>
+              <a:buFont typeface="Arial" panose="020B0604020202020204" pitchFamily="34" charset="0"/>
               <a:buNone/>
               <a:defRPr sz="1800" kern="1200">
                 <a:solidFill>
@@ -14294,7 +14300,7 @@
               <a:spcBef>
                 <a:spcPts val="500"/>
               </a:spcBef>
-              <a:buFont typeface="Arial" panose="020B0604020202090204" pitchFamily="34" charset="0"/>
+              <a:buFont typeface="Arial" panose="020B0604020202020204" pitchFamily="34" charset="0"/>
               <a:buNone/>
               <a:defRPr sz="1800" kern="1200">
                 <a:solidFill>
@@ -14332,16 +14338,8 @@
       </p:sp>
       <p:sp>
         <p:nvSpPr>
-          <p:cNvPr id="9" name="副标题 3">
-            <a:extLst>
-              <a:ext uri="{FF2B5EF4-FFF2-40B4-BE49-F238E27FC236}">
-                <a16:creationId xmlns:a16="http://schemas.microsoft.com/office/drawing/2014/main" id="{8151FCF4-9D72-44AE-AFE5-625E46FA3406}"/>
-              </a:ext>
-            </a:extLst>
-          </p:cNvPr>
-          <p:cNvSpPr txBox="1">
-            <a:spLocks/>
-          </p:cNvSpPr>
+          <p:cNvPr id="9" name="副标题 3"/>
+          <p:cNvSpPr txBox="1"/>
           <p:nvPr/>
         </p:nvSpPr>
         <p:spPr>
@@ -14366,7 +14364,7 @@
               <a:spcAft>
                 <a:spcPct val="0"/>
               </a:spcAft>
-              <a:buFont typeface="Arial" panose="020B0604020202090204" pitchFamily="34" charset="0"/>
+              <a:buFont typeface="Arial" panose="020B0604020202020204" pitchFamily="34" charset="0"/>
               <a:buNone/>
               <a:defRPr sz="1600" b="1" kern="1200">
                 <a:solidFill>
@@ -14388,7 +14386,7 @@
               <a:spcAft>
                 <a:spcPct val="0"/>
               </a:spcAft>
-              <a:buFont typeface="Arial" panose="020B0604020202090204" pitchFamily="34" charset="0"/>
+              <a:buFont typeface="Arial" panose="020B0604020202020204" pitchFamily="34" charset="0"/>
               <a:buNone/>
               <a:defRPr sz="2400" kern="1200">
                 <a:solidFill>
@@ -14412,7 +14410,7 @@
               <a:spcAft>
                 <a:spcPct val="0"/>
               </a:spcAft>
-              <a:buFont typeface="Arial" panose="020B0604020202090204" pitchFamily="34" charset="0"/>
+              <a:buFont typeface="Arial" panose="020B0604020202020204" pitchFamily="34" charset="0"/>
               <a:buNone/>
               <a:defRPr sz="2000" kern="1200">
                 <a:solidFill>
@@ -14436,7 +14434,7 @@
               <a:spcAft>
                 <a:spcPct val="0"/>
               </a:spcAft>
-              <a:buFont typeface="Arial" panose="020B0604020202090204" pitchFamily="34" charset="0"/>
+              <a:buFont typeface="Arial" panose="020B0604020202020204" pitchFamily="34" charset="0"/>
               <a:buNone/>
               <a:defRPr kern="1200">
                 <a:solidFill>
@@ -14460,7 +14458,7 @@
               <a:spcAft>
                 <a:spcPct val="0"/>
               </a:spcAft>
-              <a:buFont typeface="Arial" panose="020B0604020202090204" pitchFamily="34" charset="0"/>
+              <a:buFont typeface="Arial" panose="020B0604020202020204" pitchFamily="34" charset="0"/>
               <a:buNone/>
               <a:defRPr kern="1200">
                 <a:solidFill>
@@ -14481,7 +14479,7 @@
               <a:spcBef>
                 <a:spcPts val="500"/>
               </a:spcBef>
-              <a:buFont typeface="Arial" panose="020B0604020202090204" pitchFamily="34" charset="0"/>
+              <a:buFont typeface="Arial" panose="020B0604020202020204" pitchFamily="34" charset="0"/>
               <a:buNone/>
               <a:defRPr sz="1800" kern="1200">
                 <a:solidFill>
@@ -14501,7 +14499,7 @@
               <a:spcBef>
                 <a:spcPts val="500"/>
               </a:spcBef>
-              <a:buFont typeface="Arial" panose="020B0604020202090204" pitchFamily="34" charset="0"/>
+              <a:buFont typeface="Arial" panose="020B0604020202020204" pitchFamily="34" charset="0"/>
               <a:buNone/>
               <a:defRPr sz="1800" kern="1200">
                 <a:solidFill>
@@ -14521,7 +14519,7 @@
               <a:spcBef>
                 <a:spcPts val="500"/>
               </a:spcBef>
-              <a:buFont typeface="Arial" panose="020B0604020202090204" pitchFamily="34" charset="0"/>
+              <a:buFont typeface="Arial" panose="020B0604020202020204" pitchFamily="34" charset="0"/>
               <a:buNone/>
               <a:defRPr sz="1800" kern="1200">
                 <a:solidFill>
@@ -14541,7 +14539,7 @@
               <a:spcBef>
                 <a:spcPts val="500"/>
               </a:spcBef>
-              <a:buFont typeface="Arial" panose="020B0604020202090204" pitchFamily="34" charset="0"/>
+              <a:buFont typeface="Arial" panose="020B0604020202020204" pitchFamily="34" charset="0"/>
               <a:buNone/>
               <a:defRPr sz="1800" kern="1200">
                 <a:solidFill>
@@ -14586,16 +14584,8 @@
       </p:sp>
       <p:sp>
         <p:nvSpPr>
-          <p:cNvPr id="10" name="副标题 3">
-            <a:extLst>
-              <a:ext uri="{FF2B5EF4-FFF2-40B4-BE49-F238E27FC236}">
-                <a16:creationId xmlns:a16="http://schemas.microsoft.com/office/drawing/2014/main" id="{AF06BAF9-FBA8-4291-AEB0-826F9CAA558A}"/>
-              </a:ext>
-            </a:extLst>
-          </p:cNvPr>
-          <p:cNvSpPr txBox="1">
-            <a:spLocks/>
-          </p:cNvSpPr>
+          <p:cNvPr id="10" name="副标题 3"/>
+          <p:cNvSpPr txBox="1"/>
           <p:nvPr/>
         </p:nvSpPr>
         <p:spPr>
@@ -14620,7 +14610,7 @@
               <a:spcAft>
                 <a:spcPct val="0"/>
               </a:spcAft>
-              <a:buFont typeface="Arial" panose="020B0604020202090204" pitchFamily="34" charset="0"/>
+              <a:buFont typeface="Arial" panose="020B0604020202020204" pitchFamily="34" charset="0"/>
               <a:buNone/>
               <a:defRPr sz="1600" b="1" kern="1200">
                 <a:solidFill>
@@ -14642,7 +14632,7 @@
               <a:spcAft>
                 <a:spcPct val="0"/>
               </a:spcAft>
-              <a:buFont typeface="Arial" panose="020B0604020202090204" pitchFamily="34" charset="0"/>
+              <a:buFont typeface="Arial" panose="020B0604020202020204" pitchFamily="34" charset="0"/>
               <a:buNone/>
               <a:defRPr sz="2400" kern="1200">
                 <a:solidFill>
@@ -14666,7 +14656,7 @@
               <a:spcAft>
                 <a:spcPct val="0"/>
               </a:spcAft>
-              <a:buFont typeface="Arial" panose="020B0604020202090204" pitchFamily="34" charset="0"/>
+              <a:buFont typeface="Arial" panose="020B0604020202020204" pitchFamily="34" charset="0"/>
               <a:buNone/>
               <a:defRPr sz="2000" kern="1200">
                 <a:solidFill>
@@ -14690,7 +14680,7 @@
               <a:spcAft>
                 <a:spcPct val="0"/>
               </a:spcAft>
-              <a:buFont typeface="Arial" panose="020B0604020202090204" pitchFamily="34" charset="0"/>
+              <a:buFont typeface="Arial" panose="020B0604020202020204" pitchFamily="34" charset="0"/>
               <a:buNone/>
               <a:defRPr kern="1200">
                 <a:solidFill>
@@ -14714,7 +14704,7 @@
               <a:spcAft>
                 <a:spcPct val="0"/>
               </a:spcAft>
-              <a:buFont typeface="Arial" panose="020B0604020202090204" pitchFamily="34" charset="0"/>
+              <a:buFont typeface="Arial" panose="020B0604020202020204" pitchFamily="34" charset="0"/>
               <a:buNone/>
               <a:defRPr kern="1200">
                 <a:solidFill>
@@ -14735,7 +14725,7 @@
               <a:spcBef>
                 <a:spcPts val="500"/>
               </a:spcBef>
-              <a:buFont typeface="Arial" panose="020B0604020202090204" pitchFamily="34" charset="0"/>
+              <a:buFont typeface="Arial" panose="020B0604020202020204" pitchFamily="34" charset="0"/>
               <a:buNone/>
               <a:defRPr sz="1800" kern="1200">
                 <a:solidFill>
@@ -14755,7 +14745,7 @@
               <a:spcBef>
                 <a:spcPts val="500"/>
               </a:spcBef>
-              <a:buFont typeface="Arial" panose="020B0604020202090204" pitchFamily="34" charset="0"/>
+              <a:buFont typeface="Arial" panose="020B0604020202020204" pitchFamily="34" charset="0"/>
               <a:buNone/>
               <a:defRPr sz="1800" kern="1200">
                 <a:solidFill>
@@ -14775,7 +14765,7 @@
               <a:spcBef>
                 <a:spcPts val="500"/>
               </a:spcBef>
-              <a:buFont typeface="Arial" panose="020B0604020202090204" pitchFamily="34" charset="0"/>
+              <a:buFont typeface="Arial" panose="020B0604020202020204" pitchFamily="34" charset="0"/>
               <a:buNone/>
               <a:defRPr sz="1800" kern="1200">
                 <a:solidFill>
@@ -14795,7 +14785,7 @@
               <a:spcBef>
                 <a:spcPts val="500"/>
               </a:spcBef>
-              <a:buFont typeface="Arial" panose="020B0604020202090204" pitchFamily="34" charset="0"/>
+              <a:buFont typeface="Arial" panose="020B0604020202020204" pitchFamily="34" charset="0"/>
               <a:buNone/>
               <a:defRPr sz="1800" kern="1200">
                 <a:solidFill>
@@ -14832,11 +14822,6 @@
         </p:txBody>
       </p:sp>
     </p:spTree>
-    <p:extLst>
-      <p:ext uri="{BB962C8B-B14F-4D97-AF65-F5344CB8AC3E}">
-        <p14:creationId xmlns:p14="http://schemas.microsoft.com/office/powerpoint/2010/main" val="1855228846"/>
-      </p:ext>
-    </p:extLst>
   </p:cSld>
   <p:clrMapOvr>
     <a:masterClrMapping/>
@@ -14863,13 +14848,7 @@
       </p:grpSpPr>
       <p:sp>
         <p:nvSpPr>
-          <p:cNvPr id="2" name="标题 1">
-            <a:extLst>
-              <a:ext uri="{FF2B5EF4-FFF2-40B4-BE49-F238E27FC236}">
-                <a16:creationId xmlns:a16="http://schemas.microsoft.com/office/drawing/2014/main" id="{64261E57-CF19-4D98-B1A2-C853A2DFFEFD}"/>
-              </a:ext>
-            </a:extLst>
-          </p:cNvPr>
+          <p:cNvPr id="2" name="标题 1"/>
           <p:cNvSpPr>
             <a:spLocks noGrp="1"/>
           </p:cNvSpPr>
@@ -14891,18 +14870,13 @@
               <a:rPr lang="zh-CN" altLang="en-US" dirty="0"/>
               <a:t>编辑数据配置文件</a:t>
             </a:r>
+            <a:endParaRPr lang="zh-CN" altLang="en-US" dirty="0"/>
           </a:p>
         </p:txBody>
       </p:sp>
       <p:sp>
         <p:nvSpPr>
-          <p:cNvPr id="4" name="副标题 3">
-            <a:extLst>
-              <a:ext uri="{FF2B5EF4-FFF2-40B4-BE49-F238E27FC236}">
-                <a16:creationId xmlns:a16="http://schemas.microsoft.com/office/drawing/2014/main" id="{024AC006-880A-41A9-A84E-5CB8610A981A}"/>
-              </a:ext>
-            </a:extLst>
-          </p:cNvPr>
+          <p:cNvPr id="4" name="副标题 3"/>
           <p:cNvSpPr>
             <a:spLocks noGrp="1"/>
           </p:cNvSpPr>
@@ -15063,6 +15037,13 @@
               </a:rPr>
               <a:t>cd /var/named</a:t>
             </a:r>
+            <a:endParaRPr lang="en-US" altLang="zh-CN" sz="2000" b="0" dirty="0">
+              <a:solidFill>
+                <a:srgbClr val="FF0000"/>
+              </a:solidFill>
+              <a:latin typeface="华文中宋" panose="02010600040101010101" pitchFamily="2" charset="-122"/>
+              <a:ea typeface="华文中宋" panose="02010600040101010101" pitchFamily="2" charset="-122"/>
+            </a:endParaRPr>
           </a:p>
           <a:p>
             <a:pPr>
@@ -15090,6 +15071,13 @@
               </a:rPr>
               <a:t> ls</a:t>
             </a:r>
+            <a:endParaRPr lang="en-US" altLang="zh-CN" sz="2000" b="0" dirty="0">
+              <a:solidFill>
+                <a:srgbClr val="FF0000"/>
+              </a:solidFill>
+              <a:latin typeface="华文中宋" panose="02010600040101010101" pitchFamily="2" charset="-122"/>
+              <a:ea typeface="华文中宋" panose="02010600040101010101" pitchFamily="2" charset="-122"/>
+            </a:endParaRPr>
           </a:p>
           <a:p>
             <a:pPr>
@@ -15172,11 +15160,6 @@
         </p:txBody>
       </p:sp>
     </p:spTree>
-    <p:extLst>
-      <p:ext uri="{BB962C8B-B14F-4D97-AF65-F5344CB8AC3E}">
-        <p14:creationId xmlns:p14="http://schemas.microsoft.com/office/powerpoint/2010/main" val="1214554152"/>
-      </p:ext>
-    </p:extLst>
   </p:cSld>
   <p:clrMapOvr>
     <a:masterClrMapping/>
@@ -15203,13 +15186,7 @@
       </p:grpSpPr>
       <p:sp>
         <p:nvSpPr>
-          <p:cNvPr id="2" name="标题 1">
-            <a:extLst>
-              <a:ext uri="{FF2B5EF4-FFF2-40B4-BE49-F238E27FC236}">
-                <a16:creationId xmlns:a16="http://schemas.microsoft.com/office/drawing/2014/main" id="{E5A359B9-101B-453B-A5CA-93F905AED635}"/>
-              </a:ext>
-            </a:extLst>
-          </p:cNvPr>
+          <p:cNvPr id="2" name="标题 1"/>
           <p:cNvSpPr>
             <a:spLocks noGrp="1"/>
           </p:cNvSpPr>
@@ -15243,13 +15220,7 @@
       </p:sp>
       <p:sp>
         <p:nvSpPr>
-          <p:cNvPr id="4" name="副标题 3">
-            <a:extLst>
-              <a:ext uri="{FF2B5EF4-FFF2-40B4-BE49-F238E27FC236}">
-                <a16:creationId xmlns:a16="http://schemas.microsoft.com/office/drawing/2014/main" id="{8A425B09-8B26-4216-BD1B-222E06D0B0AE}"/>
-              </a:ext>
-            </a:extLst>
-          </p:cNvPr>
+          <p:cNvPr id="4" name="副标题 3"/>
           <p:cNvSpPr>
             <a:spLocks noGrp="1"/>
           </p:cNvSpPr>
@@ -15344,20 +15315,14 @@
       </p:sp>
       <p:pic>
         <p:nvPicPr>
-          <p:cNvPr id="5" name="图片 4">
-            <a:extLst>
-              <a:ext uri="{FF2B5EF4-FFF2-40B4-BE49-F238E27FC236}">
-                <a16:creationId xmlns:a16="http://schemas.microsoft.com/office/drawing/2014/main" id="{0967776C-DDD9-479B-A2AB-752A6D3675AE}"/>
-              </a:ext>
-            </a:extLst>
-          </p:cNvPr>
+          <p:cNvPr id="5" name="图片 4"/>
           <p:cNvPicPr>
             <a:picLocks noChangeAspect="1"/>
           </p:cNvPicPr>
           <p:nvPr/>
         </p:nvPicPr>
         <p:blipFill>
-          <a:blip r:embed="rId2"/>
+          <a:blip r:embed="rId1"/>
           <a:stretch>
             <a:fillRect/>
           </a:stretch>
@@ -15373,11 +15338,6 @@
         </p:spPr>
       </p:pic>
     </p:spTree>
-    <p:extLst>
-      <p:ext uri="{BB962C8B-B14F-4D97-AF65-F5344CB8AC3E}">
-        <p14:creationId xmlns:p14="http://schemas.microsoft.com/office/powerpoint/2010/main" val="3654573672"/>
-      </p:ext>
-    </p:extLst>
   </p:cSld>
   <p:clrMapOvr>
     <a:masterClrMapping/>
@@ -15618,7 +15578,7 @@
           </a:spcAft>
           <a:buClrTx/>
           <a:buSzTx/>
-          <a:buFont typeface="Arial" panose="020B0604020202090204" pitchFamily="34" charset="0"/>
+          <a:buFont typeface="Arial" panose="020B0604020202020204" pitchFamily="34" charset="0"/>
           <a:buNone/>
           <a:defRPr kumimoji="0" lang="zh-CN" altLang="zh-CN" sz="1800" b="0" i="0" u="none" strike="noStrike" cap="none" normalizeH="0" baseline="0" smtClean="0">
             <a:ln>
@@ -15628,7 +15588,7 @@
               <a:schemeClr val="tx1"/>
             </a:solidFill>
             <a:effectLst/>
-            <a:latin typeface="Arial" panose="020B0604020202090204" pitchFamily="34" charset="0"/>
+            <a:latin typeface="Arial" panose="020B0604020202020204" pitchFamily="34" charset="0"/>
             <a:ea typeface="宋体" panose="02010600030101010101" pitchFamily="2" charset="-122"/>
           </a:defRPr>
         </a:defPPr>
@@ -15675,7 +15635,7 @@
           </a:spcAft>
           <a:buClrTx/>
           <a:buSzTx/>
-          <a:buFont typeface="Arial" panose="020B0604020202090204" pitchFamily="34" charset="0"/>
+          <a:buFont typeface="Arial" panose="020B0604020202020204" pitchFamily="34" charset="0"/>
           <a:buNone/>
           <a:defRPr kumimoji="0" lang="zh-CN" altLang="zh-CN" sz="1800" b="0" i="0" u="none" strike="noStrike" cap="none" normalizeH="0" baseline="0" smtClean="0">
             <a:ln>
@@ -15685,14 +15645,13 @@
               <a:schemeClr val="tx1"/>
             </a:solidFill>
             <a:effectLst/>
-            <a:latin typeface="Arial" panose="020B0604020202090204" pitchFamily="34" charset="0"/>
+            <a:latin typeface="Arial" panose="020B0604020202020204" pitchFamily="34" charset="0"/>
             <a:ea typeface="宋体" panose="02010600030101010101" pitchFamily="2" charset="-122"/>
           </a:defRPr>
         </a:defPPr>
       </a:lstStyle>
     </a:lnDef>
   </a:objectDefaults>
-  <a:extraClrSchemeLst/>
   <a:extLst>
     <a:ext uri="{05A4C25C-085E-4340-85A3-A5531E510DB2}">
       <thm15:themeFamily xmlns:thm15="http://schemas.microsoft.com/office/thememl/2012/main" name="Office Theme" id="{62F939B6-93AF-4DB8-9C6B-D6C7DFDC589F}" vid="{4A3C46E8-61CC-4603-A589-7422A47A8E4A}"/>
@@ -15979,8 +15938,6 @@
       </a:bgFillStyleLst>
     </a:fmtScheme>
   </a:themeElements>
-  <a:objectDefaults/>
-  <a:extraClrSchemeLst/>
   <a:extLst>
     <a:ext uri="{05A4C25C-085E-4340-85A3-A5531E510DB2}">
       <thm15:themeFamily xmlns:thm15="http://schemas.microsoft.com/office/thememl/2012/main" name="Office Theme" id="{62F939B6-93AF-4DB8-9C6B-D6C7DFDC589F}" vid="{4A3C46E8-61CC-4603-A589-7422A47A8E4A}"/>
@@ -16267,8 +16224,6 @@
       </a:bgFillStyleLst>
     </a:fmtScheme>
   </a:themeElements>
-  <a:objectDefaults/>
-  <a:extraClrSchemeLst/>
   <a:extLst>
     <a:ext uri="{05A4C25C-085E-4340-85A3-A5531E510DB2}">
       <thm15:themeFamily xmlns:thm15="http://schemas.microsoft.com/office/thememl/2012/main" name="Office Theme" id="{62F939B6-93AF-4DB8-9C6B-D6C7DFDC589F}" vid="{4A3C46E8-61CC-4603-A589-7422A47A8E4A}"/>
